--- a/assets/PlotsInMedicalStat/Images.pptx
+++ b/assets/PlotsInMedicalStat/Images.pptx
@@ -6,10 +6,13 @@
   </p:sldMasterIdLst>
   <p:sldIdLst>
     <p:sldId id="257" r:id="rId2"/>
-    <p:sldId id="258" r:id="rId3"/>
-    <p:sldId id="259" r:id="rId4"/>
-    <p:sldId id="260" r:id="rId5"/>
-    <p:sldId id="261" r:id="rId6"/>
+    <p:sldId id="262" r:id="rId3"/>
+    <p:sldId id="258" r:id="rId4"/>
+    <p:sldId id="259" r:id="rId5"/>
+    <p:sldId id="263" r:id="rId6"/>
+    <p:sldId id="260" r:id="rId7"/>
+    <p:sldId id="264" r:id="rId8"/>
+    <p:sldId id="261" r:id="rId9"/>
   </p:sldIdLst>
   <p:sldSz cx="12192000" cy="6858000"/>
   <p:notesSz cx="6858000" cy="9144000"/>
@@ -426,7 +429,7 @@
           <a:p>
             <a:fld id="{4F10BDDF-9621-481F-A0F1-009C5E0FFAEB}" type="datetimeFigureOut">
               <a:rPr lang="zh-CN" altLang="en-US" smtClean="0"/>
-              <a:t>2021/7/26</a:t>
+              <a:t>2021/12/28</a:t>
             </a:fld>
             <a:endParaRPr lang="zh-CN" altLang="en-US"/>
           </a:p>
@@ -584,7 +587,7 @@
           <a:p>
             <a:fld id="{4F10BDDF-9621-481F-A0F1-009C5E0FFAEB}" type="datetimeFigureOut">
               <a:rPr lang="zh-CN" altLang="en-US" smtClean="0"/>
-              <a:t>2021/7/26</a:t>
+              <a:t>2021/12/28</a:t>
             </a:fld>
             <a:endParaRPr lang="zh-CN" altLang="en-US"/>
           </a:p>
@@ -1004,7 +1007,7 @@
           <a:p>
             <a:fld id="{4F10BDDF-9621-481F-A0F1-009C5E0FFAEB}" type="datetimeFigureOut">
               <a:rPr lang="zh-CN" altLang="en-US" smtClean="0"/>
-              <a:t>2021/7/26</a:t>
+              <a:t>2021/12/28</a:t>
             </a:fld>
             <a:endParaRPr lang="zh-CN" altLang="en-US"/>
           </a:p>
@@ -1356,7 +1359,7 @@
           <a:p>
             <a:fld id="{4F10BDDF-9621-481F-A0F1-009C5E0FFAEB}" type="datetimeFigureOut">
               <a:rPr lang="zh-CN" altLang="en-US" smtClean="0"/>
-              <a:t>2021/7/26</a:t>
+              <a:t>2021/12/28</a:t>
             </a:fld>
             <a:endParaRPr lang="zh-CN" altLang="en-US"/>
           </a:p>
@@ -1732,7 +1735,7 @@
           <a:p>
             <a:fld id="{4F10BDDF-9621-481F-A0F1-009C5E0FFAEB}" type="datetimeFigureOut">
               <a:rPr lang="zh-CN" altLang="en-US" smtClean="0"/>
-              <a:t>2021/7/26</a:t>
+              <a:t>2021/12/28</a:t>
             </a:fld>
             <a:endParaRPr lang="zh-CN" altLang="en-US"/>
           </a:p>
@@ -1866,7 +1869,7 @@
           <a:p>
             <a:fld id="{4F10BDDF-9621-481F-A0F1-009C5E0FFAEB}" type="datetimeFigureOut">
               <a:rPr lang="zh-CN" altLang="en-US" smtClean="0"/>
-              <a:t>2021/7/26</a:t>
+              <a:t>2021/12/28</a:t>
             </a:fld>
             <a:endParaRPr lang="zh-CN" altLang="en-US"/>
           </a:p>
@@ -2000,7 +2003,7 @@
           <a:p>
             <a:fld id="{4F10BDDF-9621-481F-A0F1-009C5E0FFAEB}" type="datetimeFigureOut">
               <a:rPr lang="zh-CN" altLang="en-US" smtClean="0"/>
-              <a:t>2021/7/26</a:t>
+              <a:t>2021/12/28</a:t>
             </a:fld>
             <a:endParaRPr lang="zh-CN" altLang="en-US"/>
           </a:p>
@@ -2211,7 +2214,7 @@
           <a:p>
             <a:fld id="{4F10BDDF-9621-481F-A0F1-009C5E0FFAEB}" type="datetimeFigureOut">
               <a:rPr lang="zh-CN" altLang="en-US" smtClean="0"/>
-              <a:t>2021/7/26</a:t>
+              <a:t>2021/12/28</a:t>
             </a:fld>
             <a:endParaRPr lang="zh-CN" altLang="en-US" dirty="0"/>
           </a:p>
@@ -3435,39 +3438,10 @@
       </p:grpSpPr>
       <p:sp>
         <p:nvSpPr>
-          <p:cNvPr id="2" name="标题 1">
-            <a:extLst>
-              <a:ext uri="{FF2B5EF4-FFF2-40B4-BE49-F238E27FC236}">
-                <a16:creationId xmlns:a16="http://schemas.microsoft.com/office/drawing/2014/main" id="{ACEDCB7A-7766-4731-8D03-0DFD2CAA6F56}"/>
-              </a:ext>
-            </a:extLst>
-          </p:cNvPr>
-          <p:cNvSpPr>
-            <a:spLocks noGrp="1"/>
-          </p:cNvSpPr>
-          <p:nvPr>
-            <p:ph type="title"/>
-          </p:nvPr>
-        </p:nvSpPr>
-        <p:spPr/>
-        <p:txBody>
-          <a:bodyPr/>
-          <a:lstStyle/>
-          <a:p>
-            <a:r>
-              <a:rPr lang="en-US" altLang="zh-CN" dirty="0"/>
-              <a:t>Bland–Altman plot</a:t>
-            </a:r>
-            <a:endParaRPr lang="zh-CN" altLang="en-US" dirty="0"/>
-          </a:p>
-        </p:txBody>
-      </p:sp>
-      <p:sp>
-        <p:nvSpPr>
-          <p:cNvPr id="4" name="矩形 3">
-            <a:extLst>
-              <a:ext uri="{FF2B5EF4-FFF2-40B4-BE49-F238E27FC236}">
-                <a16:creationId xmlns:a16="http://schemas.microsoft.com/office/drawing/2014/main" id="{5715AF0A-8FA2-4BAD-AB69-88E382272982}"/>
+          <p:cNvPr id="3" name="矩形 2">
+            <a:extLst>
+              <a:ext uri="{FF2B5EF4-FFF2-40B4-BE49-F238E27FC236}">
+                <a16:creationId xmlns:a16="http://schemas.microsoft.com/office/drawing/2014/main" id="{8521ABE2-587E-4865-A435-6E508292BD1E}"/>
               </a:ext>
             </a:extLst>
           </p:cNvPr>
@@ -3476,13 +3450,15 @@
         </p:nvSpPr>
         <p:spPr>
           <a:xfrm>
-            <a:off x="3424106" y="2174845"/>
-            <a:ext cx="5343787" cy="2978092"/>
+            <a:off x="4271394" y="1604394"/>
+            <a:ext cx="3649211" cy="3649211"/>
           </a:xfrm>
           <a:prstGeom prst="rect">
             <a:avLst/>
           </a:prstGeom>
-          <a:noFill/>
+          <a:solidFill>
+            <a:schemeClr val="bg1"/>
+          </a:solidFill>
         </p:spPr>
         <p:style>
           <a:lnRef idx="2">
@@ -3511,80 +3487,10 @@
       </p:sp>
       <p:sp>
         <p:nvSpPr>
-          <p:cNvPr id="5" name="文本框 4">
-            <a:extLst>
-              <a:ext uri="{FF2B5EF4-FFF2-40B4-BE49-F238E27FC236}">
-                <a16:creationId xmlns:a16="http://schemas.microsoft.com/office/drawing/2014/main" id="{A43F33C8-1F4E-4E65-91A1-A89BCC2C54F2}"/>
-              </a:ext>
-            </a:extLst>
-          </p:cNvPr>
-          <p:cNvSpPr txBox="1"/>
-          <p:nvPr/>
-        </p:nvSpPr>
-        <p:spPr>
-          <a:xfrm>
-            <a:off x="4724149" y="5394121"/>
-            <a:ext cx="2743700" cy="369332"/>
-          </a:xfrm>
-          <a:prstGeom prst="rect">
-            <a:avLst/>
-          </a:prstGeom>
-          <a:noFill/>
-        </p:spPr>
-        <p:txBody>
-          <a:bodyPr wrap="none" rtlCol="0">
-            <a:spAutoFit/>
-          </a:bodyPr>
-          <a:lstStyle/>
-          <a:p>
-            <a:r>
-              <a:rPr lang="en-US" altLang="zh-CN" dirty="0"/>
-              <a:t>Average of the two methods</a:t>
-            </a:r>
-          </a:p>
-        </p:txBody>
-      </p:sp>
-      <p:sp>
-        <p:nvSpPr>
-          <p:cNvPr id="6" name="文本框 5">
-            <a:extLst>
-              <a:ext uri="{FF2B5EF4-FFF2-40B4-BE49-F238E27FC236}">
-                <a16:creationId xmlns:a16="http://schemas.microsoft.com/office/drawing/2014/main" id="{B2D1D236-CC8E-4C45-8CE2-BD111F1143AD}"/>
-              </a:ext>
-            </a:extLst>
-          </p:cNvPr>
-          <p:cNvSpPr txBox="1"/>
-          <p:nvPr/>
-        </p:nvSpPr>
-        <p:spPr>
-          <a:xfrm rot="16200000">
-            <a:off x="1123575" y="3479225"/>
-            <a:ext cx="3502113" cy="369332"/>
-          </a:xfrm>
-          <a:prstGeom prst="rect">
-            <a:avLst/>
-          </a:prstGeom>
-          <a:noFill/>
-        </p:spPr>
-        <p:txBody>
-          <a:bodyPr wrap="none" rtlCol="0">
-            <a:spAutoFit/>
-          </a:bodyPr>
-          <a:lstStyle/>
-          <a:p>
-            <a:r>
-              <a:rPr lang="en-US" altLang="zh-CN" dirty="0"/>
-              <a:t>Difference between the two methods</a:t>
-            </a:r>
-          </a:p>
-        </p:txBody>
-      </p:sp>
-      <p:sp>
-        <p:nvSpPr>
-          <p:cNvPr id="7" name="椭圆 6">
-            <a:extLst>
-              <a:ext uri="{FF2B5EF4-FFF2-40B4-BE49-F238E27FC236}">
-                <a16:creationId xmlns:a16="http://schemas.microsoft.com/office/drawing/2014/main" id="{0727FFA4-940D-4AB6-A1DC-8CD91504056B}"/>
+          <p:cNvPr id="39" name="任意多边形: 形状 38">
+            <a:extLst>
+              <a:ext uri="{FF2B5EF4-FFF2-40B4-BE49-F238E27FC236}">
+                <a16:creationId xmlns:a16="http://schemas.microsoft.com/office/drawing/2014/main" id="{6D60EA26-FA34-4A58-A1EC-FCB1FE92DF4D}"/>
               </a:ext>
             </a:extLst>
           </p:cNvPr>
@@ -3593,15 +3499,161 @@
         </p:nvSpPr>
         <p:spPr>
           <a:xfrm>
-            <a:off x="4337108" y="2860645"/>
-            <a:ext cx="117446" cy="117446"/>
-          </a:xfrm>
-          <a:prstGeom prst="ellipse">
-            <a:avLst/>
-          </a:prstGeom>
+            <a:off x="4271395" y="1717907"/>
+            <a:ext cx="3645028" cy="3535698"/>
+          </a:xfrm>
+          <a:custGeom>
+            <a:avLst/>
+            <a:gdLst>
+              <a:gd name="connsiteX0" fmla="*/ 247159 w 3318691"/>
+              <a:gd name="connsiteY0" fmla="*/ 0 h 3535698"/>
+              <a:gd name="connsiteX1" fmla="*/ 247159 w 3318691"/>
+              <a:gd name="connsiteY1" fmla="*/ 323720 h 3535698"/>
+              <a:gd name="connsiteX2" fmla="*/ 949465 w 3318691"/>
+              <a:gd name="connsiteY2" fmla="*/ 180780 h 3535698"/>
+              <a:gd name="connsiteX3" fmla="*/ 949465 w 3318691"/>
+              <a:gd name="connsiteY3" fmla="*/ 744136 h 3535698"/>
+              <a:gd name="connsiteX4" fmla="*/ 2049463 w 3318691"/>
+              <a:gd name="connsiteY4" fmla="*/ 538133 h 3535698"/>
+              <a:gd name="connsiteX5" fmla="*/ 2049463 w 3318691"/>
+              <a:gd name="connsiteY5" fmla="*/ 1055244 h 3535698"/>
+              <a:gd name="connsiteX6" fmla="*/ 2650231 w 3318691"/>
+              <a:gd name="connsiteY6" fmla="*/ 958549 h 3535698"/>
+              <a:gd name="connsiteX7" fmla="*/ 2650231 w 3318691"/>
+              <a:gd name="connsiteY7" fmla="*/ 1320106 h 3535698"/>
+              <a:gd name="connsiteX8" fmla="*/ 2904077 w 3318691"/>
+              <a:gd name="connsiteY8" fmla="*/ 1278064 h 3535698"/>
+              <a:gd name="connsiteX9" fmla="*/ 2904077 w 3318691"/>
+              <a:gd name="connsiteY9" fmla="*/ 1584968 h 3535698"/>
+              <a:gd name="connsiteX10" fmla="*/ 3318691 w 3318691"/>
+              <a:gd name="connsiteY10" fmla="*/ 1505089 h 3535698"/>
+              <a:gd name="connsiteX11" fmla="*/ 3318691 w 3318691"/>
+              <a:gd name="connsiteY11" fmla="*/ 1711093 h 3535698"/>
+              <a:gd name="connsiteX12" fmla="*/ 3318691 w 3318691"/>
+              <a:gd name="connsiteY12" fmla="*/ 3535698 h 3535698"/>
+              <a:gd name="connsiteX13" fmla="*/ 0 w 3318691"/>
+              <a:gd name="connsiteY13" fmla="*/ 3535698 h 3535698"/>
+              <a:gd name="connsiteX14" fmla="*/ 0 w 3318691"/>
+              <a:gd name="connsiteY14" fmla="*/ 63382 h 3535698"/>
+              <a:gd name="connsiteX15" fmla="*/ 247159 w 3318691"/>
+              <a:gd name="connsiteY15" fmla="*/ 0 h 3535698"/>
+            </a:gdLst>
+            <a:ahLst/>
+            <a:cxnLst>
+              <a:cxn ang="0">
+                <a:pos x="connsiteX0" y="connsiteY0"/>
+              </a:cxn>
+              <a:cxn ang="0">
+                <a:pos x="connsiteX1" y="connsiteY1"/>
+              </a:cxn>
+              <a:cxn ang="0">
+                <a:pos x="connsiteX2" y="connsiteY2"/>
+              </a:cxn>
+              <a:cxn ang="0">
+                <a:pos x="connsiteX3" y="connsiteY3"/>
+              </a:cxn>
+              <a:cxn ang="0">
+                <a:pos x="connsiteX4" y="connsiteY4"/>
+              </a:cxn>
+              <a:cxn ang="0">
+                <a:pos x="connsiteX5" y="connsiteY5"/>
+              </a:cxn>
+              <a:cxn ang="0">
+                <a:pos x="connsiteX6" y="connsiteY6"/>
+              </a:cxn>
+              <a:cxn ang="0">
+                <a:pos x="connsiteX7" y="connsiteY7"/>
+              </a:cxn>
+              <a:cxn ang="0">
+                <a:pos x="connsiteX8" y="connsiteY8"/>
+              </a:cxn>
+              <a:cxn ang="0">
+                <a:pos x="connsiteX9" y="connsiteY9"/>
+              </a:cxn>
+              <a:cxn ang="0">
+                <a:pos x="connsiteX10" y="connsiteY10"/>
+              </a:cxn>
+              <a:cxn ang="0">
+                <a:pos x="connsiteX11" y="connsiteY11"/>
+              </a:cxn>
+              <a:cxn ang="0">
+                <a:pos x="connsiteX12" y="connsiteY12"/>
+              </a:cxn>
+              <a:cxn ang="0">
+                <a:pos x="connsiteX13" y="connsiteY13"/>
+              </a:cxn>
+              <a:cxn ang="0">
+                <a:pos x="connsiteX14" y="connsiteY14"/>
+              </a:cxn>
+              <a:cxn ang="0">
+                <a:pos x="connsiteX15" y="connsiteY15"/>
+              </a:cxn>
+            </a:cxnLst>
+            <a:rect l="l" t="t" r="r" b="b"/>
+            <a:pathLst>
+              <a:path w="3318691" h="3535698">
+                <a:moveTo>
+                  <a:pt x="247159" y="0"/>
+                </a:moveTo>
+                <a:lnTo>
+                  <a:pt x="247159" y="323720"/>
+                </a:lnTo>
+                <a:lnTo>
+                  <a:pt x="949465" y="180780"/>
+                </a:lnTo>
+                <a:lnTo>
+                  <a:pt x="949465" y="744136"/>
+                </a:lnTo>
+                <a:lnTo>
+                  <a:pt x="2049463" y="538133"/>
+                </a:lnTo>
+                <a:lnTo>
+                  <a:pt x="2049463" y="1055244"/>
+                </a:lnTo>
+                <a:lnTo>
+                  <a:pt x="2650231" y="958549"/>
+                </a:lnTo>
+                <a:lnTo>
+                  <a:pt x="2650231" y="1320106"/>
+                </a:lnTo>
+                <a:lnTo>
+                  <a:pt x="2904077" y="1278064"/>
+                </a:lnTo>
+                <a:lnTo>
+                  <a:pt x="2904077" y="1584968"/>
+                </a:lnTo>
+                <a:lnTo>
+                  <a:pt x="3318691" y="1505089"/>
+                </a:lnTo>
+                <a:lnTo>
+                  <a:pt x="3318691" y="1711093"/>
+                </a:lnTo>
+                <a:lnTo>
+                  <a:pt x="3318691" y="3535698"/>
+                </a:lnTo>
+                <a:lnTo>
+                  <a:pt x="0" y="3535698"/>
+                </a:lnTo>
+                <a:lnTo>
+                  <a:pt x="0" y="63382"/>
+                </a:lnTo>
+                <a:lnTo>
+                  <a:pt x="247159" y="0"/>
+                </a:lnTo>
+                <a:close/>
+              </a:path>
+            </a:pathLst>
+          </a:custGeom>
           <a:solidFill>
-            <a:srgbClr val="FF0000"/>
+            <a:srgbClr val="FF1A1A">
+              <a:alpha val="29020"/>
+            </a:srgbClr>
           </a:solidFill>
+          <a:ln>
+            <a:solidFill>
+              <a:schemeClr val="tx1"/>
+            </a:solidFill>
+          </a:ln>
         </p:spPr>
         <p:style>
           <a:lnRef idx="2">
@@ -3620,20 +3672,251 @@
           </a:fontRef>
         </p:style>
         <p:txBody>
-          <a:bodyPr rtlCol="0" anchor="ctr"/>
+          <a:bodyPr wrap="square" rtlCol="0" anchor="ctr">
+            <a:noAutofit/>
+          </a:bodyPr>
           <a:lstStyle/>
           <a:p>
             <a:pPr algn="ctr"/>
+            <a:endParaRPr lang="zh-CN" altLang="en-US">
+              <a:solidFill>
+                <a:schemeClr val="tx1"/>
+              </a:solidFill>
+            </a:endParaRPr>
+          </a:p>
+        </p:txBody>
+      </p:sp>
+      <p:sp>
+        <p:nvSpPr>
+          <p:cNvPr id="2" name="标题 1">
+            <a:extLst>
+              <a:ext uri="{FF2B5EF4-FFF2-40B4-BE49-F238E27FC236}">
+                <a16:creationId xmlns:a16="http://schemas.microsoft.com/office/drawing/2014/main" id="{1CD9E71E-912B-41CB-9D8E-3B47C1E9626F}"/>
+              </a:ext>
+            </a:extLst>
+          </p:cNvPr>
+          <p:cNvSpPr>
+            <a:spLocks noGrp="1"/>
+          </p:cNvSpPr>
+          <p:nvPr>
+            <p:ph type="title"/>
+          </p:nvPr>
+        </p:nvSpPr>
+        <p:spPr/>
+        <p:txBody>
+          <a:bodyPr/>
+          <a:lstStyle/>
+          <a:p>
+            <a:r>
+              <a:rPr lang="en-US" altLang="zh-CN" dirty="0"/>
+              <a:t>Precision-recall curve</a:t>
+            </a:r>
             <a:endParaRPr lang="zh-CN" altLang="en-US" dirty="0"/>
           </a:p>
         </p:txBody>
       </p:sp>
       <p:sp>
         <p:nvSpPr>
-          <p:cNvPr id="8" name="椭圆 7">
-            <a:extLst>
-              <a:ext uri="{FF2B5EF4-FFF2-40B4-BE49-F238E27FC236}">
-                <a16:creationId xmlns:a16="http://schemas.microsoft.com/office/drawing/2014/main" id="{9F4D52E9-D47C-44DD-82F0-66C62B6E82B5}"/>
+          <p:cNvPr id="6" name="文本框 5">
+            <a:extLst>
+              <a:ext uri="{FF2B5EF4-FFF2-40B4-BE49-F238E27FC236}">
+                <a16:creationId xmlns:a16="http://schemas.microsoft.com/office/drawing/2014/main" id="{57F95788-F332-4AE1-B14F-4F04E02CA953}"/>
+              </a:ext>
+            </a:extLst>
+          </p:cNvPr>
+          <p:cNvSpPr txBox="1"/>
+          <p:nvPr/>
+        </p:nvSpPr>
+        <p:spPr>
+          <a:xfrm rot="16200000">
+            <a:off x="2777624" y="3099542"/>
+            <a:ext cx="1008609" cy="646331"/>
+          </a:xfrm>
+          <a:prstGeom prst="rect">
+            <a:avLst/>
+          </a:prstGeom>
+          <a:noFill/>
+        </p:spPr>
+        <p:txBody>
+          <a:bodyPr wrap="none" rtlCol="0">
+            <a:spAutoFit/>
+          </a:bodyPr>
+          <a:lstStyle/>
+          <a:p>
+            <a:pPr algn="ctr"/>
+            <a:r>
+              <a:rPr lang="en-US" altLang="zh-CN" dirty="0"/>
+              <a:t>Precision</a:t>
+            </a:r>
+          </a:p>
+          <a:p>
+            <a:pPr algn="ctr"/>
+            <a:r>
+              <a:rPr lang="en-US" altLang="zh-CN" dirty="0"/>
+              <a:t>(PPV)</a:t>
+            </a:r>
+            <a:endParaRPr lang="zh-CN" altLang="en-US" dirty="0"/>
+          </a:p>
+        </p:txBody>
+      </p:sp>
+      <p:sp>
+        <p:nvSpPr>
+          <p:cNvPr id="7" name="文本框 6">
+            <a:extLst>
+              <a:ext uri="{FF2B5EF4-FFF2-40B4-BE49-F238E27FC236}">
+                <a16:creationId xmlns:a16="http://schemas.microsoft.com/office/drawing/2014/main" id="{DE5C7CDB-2EFE-4D6E-96FB-0F62ED2F967F}"/>
+              </a:ext>
+            </a:extLst>
+          </p:cNvPr>
+          <p:cNvSpPr txBox="1"/>
+          <p:nvPr/>
+        </p:nvSpPr>
+        <p:spPr>
+          <a:xfrm>
+            <a:off x="5491431" y="5394121"/>
+            <a:ext cx="1197957" cy="646331"/>
+          </a:xfrm>
+          <a:prstGeom prst="rect">
+            <a:avLst/>
+          </a:prstGeom>
+          <a:noFill/>
+        </p:spPr>
+        <p:txBody>
+          <a:bodyPr wrap="none" rtlCol="0">
+            <a:spAutoFit/>
+          </a:bodyPr>
+          <a:lstStyle/>
+          <a:p>
+            <a:pPr algn="ctr"/>
+            <a:r>
+              <a:rPr lang="en-US" altLang="zh-CN" dirty="0"/>
+              <a:t>Recall</a:t>
+            </a:r>
+          </a:p>
+          <a:p>
+            <a:pPr algn="ctr"/>
+            <a:r>
+              <a:rPr lang="en-US" altLang="zh-CN" dirty="0"/>
+              <a:t>(sensitivity)</a:t>
+            </a:r>
+            <a:endParaRPr lang="zh-CN" altLang="en-US" dirty="0"/>
+          </a:p>
+        </p:txBody>
+      </p:sp>
+      <p:sp>
+        <p:nvSpPr>
+          <p:cNvPr id="8" name="文本框 7">
+            <a:extLst>
+              <a:ext uri="{FF2B5EF4-FFF2-40B4-BE49-F238E27FC236}">
+                <a16:creationId xmlns:a16="http://schemas.microsoft.com/office/drawing/2014/main" id="{28AB7AED-6C53-463F-9FE4-E96B0A69A02A}"/>
+              </a:ext>
+            </a:extLst>
+          </p:cNvPr>
+          <p:cNvSpPr txBox="1"/>
+          <p:nvPr/>
+        </p:nvSpPr>
+        <p:spPr>
+          <a:xfrm>
+            <a:off x="4036044" y="5394121"/>
+            <a:ext cx="293670" cy="369332"/>
+          </a:xfrm>
+          <a:prstGeom prst="rect">
+            <a:avLst/>
+          </a:prstGeom>
+          <a:noFill/>
+        </p:spPr>
+        <p:txBody>
+          <a:bodyPr wrap="none" rtlCol="0">
+            <a:spAutoFit/>
+          </a:bodyPr>
+          <a:lstStyle/>
+          <a:p>
+            <a:r>
+              <a:rPr lang="en-US" altLang="zh-CN" dirty="0"/>
+              <a:t>0</a:t>
+            </a:r>
+            <a:endParaRPr lang="zh-CN" altLang="en-US" dirty="0"/>
+          </a:p>
+        </p:txBody>
+      </p:sp>
+      <p:sp>
+        <p:nvSpPr>
+          <p:cNvPr id="9" name="文本框 8">
+            <a:extLst>
+              <a:ext uri="{FF2B5EF4-FFF2-40B4-BE49-F238E27FC236}">
+                <a16:creationId xmlns:a16="http://schemas.microsoft.com/office/drawing/2014/main" id="{259770BB-EC73-470D-A06A-7E6D38CCBFD3}"/>
+              </a:ext>
+            </a:extLst>
+          </p:cNvPr>
+          <p:cNvSpPr txBox="1"/>
+          <p:nvPr/>
+        </p:nvSpPr>
+        <p:spPr>
+          <a:xfrm>
+            <a:off x="4036044" y="1235062"/>
+            <a:ext cx="293670" cy="369332"/>
+          </a:xfrm>
+          <a:prstGeom prst="rect">
+            <a:avLst/>
+          </a:prstGeom>
+          <a:noFill/>
+        </p:spPr>
+        <p:txBody>
+          <a:bodyPr wrap="none" rtlCol="0">
+            <a:spAutoFit/>
+          </a:bodyPr>
+          <a:lstStyle/>
+          <a:p>
+            <a:r>
+              <a:rPr lang="en-US" altLang="zh-CN" dirty="0"/>
+              <a:t>1</a:t>
+            </a:r>
+            <a:endParaRPr lang="zh-CN" altLang="en-US" dirty="0"/>
+          </a:p>
+        </p:txBody>
+      </p:sp>
+      <p:sp>
+        <p:nvSpPr>
+          <p:cNvPr id="10" name="文本框 9">
+            <a:extLst>
+              <a:ext uri="{FF2B5EF4-FFF2-40B4-BE49-F238E27FC236}">
+                <a16:creationId xmlns:a16="http://schemas.microsoft.com/office/drawing/2014/main" id="{DCCB78DE-DC59-40BF-B87C-D4B15B94B34D}"/>
+              </a:ext>
+            </a:extLst>
+          </p:cNvPr>
+          <p:cNvSpPr txBox="1"/>
+          <p:nvPr/>
+        </p:nvSpPr>
+        <p:spPr>
+          <a:xfrm>
+            <a:off x="7773770" y="5394121"/>
+            <a:ext cx="293670" cy="369332"/>
+          </a:xfrm>
+          <a:prstGeom prst="rect">
+            <a:avLst/>
+          </a:prstGeom>
+          <a:noFill/>
+        </p:spPr>
+        <p:txBody>
+          <a:bodyPr wrap="none" rtlCol="0">
+            <a:spAutoFit/>
+          </a:bodyPr>
+          <a:lstStyle/>
+          <a:p>
+            <a:r>
+              <a:rPr lang="en-US" altLang="zh-CN" dirty="0"/>
+              <a:t>1</a:t>
+            </a:r>
+            <a:endParaRPr lang="zh-CN" altLang="en-US" dirty="0"/>
+          </a:p>
+        </p:txBody>
+      </p:sp>
+      <p:sp>
+        <p:nvSpPr>
+          <p:cNvPr id="25" name="矩形 24">
+            <a:extLst>
+              <a:ext uri="{FF2B5EF4-FFF2-40B4-BE49-F238E27FC236}">
+                <a16:creationId xmlns:a16="http://schemas.microsoft.com/office/drawing/2014/main" id="{AC68D8B0-1456-4F9A-A0E5-66106E8B9BA3}"/>
               </a:ext>
             </a:extLst>
           </p:cNvPr>
@@ -3642,355 +3925,89 @@
         </p:nvSpPr>
         <p:spPr>
           <a:xfrm>
-            <a:off x="4882393" y="3605168"/>
-            <a:ext cx="117446" cy="117446"/>
-          </a:xfrm>
-          <a:prstGeom prst="ellipse">
-            <a:avLst/>
-          </a:prstGeom>
-          <a:solidFill>
-            <a:srgbClr val="FF0000"/>
-          </a:solidFill>
-        </p:spPr>
-        <p:style>
-          <a:lnRef idx="2">
-            <a:schemeClr val="accent1">
-              <a:shade val="50000"/>
-            </a:schemeClr>
-          </a:lnRef>
-          <a:fillRef idx="1">
-            <a:schemeClr val="accent1"/>
-          </a:fillRef>
-          <a:effectRef idx="0">
-            <a:schemeClr val="accent1"/>
-          </a:effectRef>
-          <a:fontRef idx="minor">
-            <a:schemeClr val="lt1"/>
-          </a:fontRef>
-        </p:style>
-        <p:txBody>
-          <a:bodyPr rtlCol="0" anchor="ctr"/>
+            <a:off x="5603994" y="3742346"/>
+            <a:ext cx="972830" cy="369332"/>
+          </a:xfrm>
+          <a:prstGeom prst="rect">
+            <a:avLst/>
+          </a:prstGeom>
+        </p:spPr>
+        <p:txBody>
+          <a:bodyPr wrap="none">
+            <a:spAutoFit/>
+          </a:bodyPr>
           <a:lstStyle/>
           <a:p>
             <a:pPr algn="ctr"/>
-            <a:endParaRPr lang="zh-CN" altLang="en-US"/>
-          </a:p>
-        </p:txBody>
-      </p:sp>
-      <p:sp>
-        <p:nvSpPr>
-          <p:cNvPr id="9" name="椭圆 8">
-            <a:extLst>
-              <a:ext uri="{FF2B5EF4-FFF2-40B4-BE49-F238E27FC236}">
-                <a16:creationId xmlns:a16="http://schemas.microsoft.com/office/drawing/2014/main" id="{ABE3EC65-9CFE-4AA6-B160-73A0DCE14411}"/>
-              </a:ext>
-            </a:extLst>
-          </p:cNvPr>
-          <p:cNvSpPr/>
-          <p:nvPr/>
-        </p:nvSpPr>
-        <p:spPr>
-          <a:xfrm>
-            <a:off x="6766420" y="3710030"/>
-            <a:ext cx="117446" cy="117446"/>
-          </a:xfrm>
-          <a:prstGeom prst="ellipse">
-            <a:avLst/>
-          </a:prstGeom>
-          <a:solidFill>
-            <a:srgbClr val="FF0000"/>
-          </a:solidFill>
-        </p:spPr>
-        <p:style>
-          <a:lnRef idx="2">
-            <a:schemeClr val="accent1">
-              <a:shade val="50000"/>
-            </a:schemeClr>
-          </a:lnRef>
-          <a:fillRef idx="1">
-            <a:schemeClr val="accent1"/>
-          </a:fillRef>
-          <a:effectRef idx="0">
-            <a:schemeClr val="accent1"/>
-          </a:effectRef>
-          <a:fontRef idx="minor">
-            <a:schemeClr val="lt1"/>
-          </a:fontRef>
-        </p:style>
-        <p:txBody>
-          <a:bodyPr rtlCol="0" anchor="ctr"/>
-          <a:lstStyle/>
-          <a:p>
-            <a:pPr algn="ctr"/>
-            <a:endParaRPr lang="zh-CN" altLang="en-US"/>
-          </a:p>
-        </p:txBody>
-      </p:sp>
-      <p:sp>
-        <p:nvSpPr>
-          <p:cNvPr id="10" name="椭圆 9">
-            <a:extLst>
-              <a:ext uri="{FF2B5EF4-FFF2-40B4-BE49-F238E27FC236}">
-                <a16:creationId xmlns:a16="http://schemas.microsoft.com/office/drawing/2014/main" id="{A8909514-47DB-435B-8BE8-F9E24CEC05C1}"/>
-              </a:ext>
-            </a:extLst>
-          </p:cNvPr>
-          <p:cNvSpPr/>
-          <p:nvPr/>
-        </p:nvSpPr>
-        <p:spPr>
-          <a:xfrm>
-            <a:off x="7614407" y="4200787"/>
-            <a:ext cx="117446" cy="117446"/>
-          </a:xfrm>
-          <a:prstGeom prst="ellipse">
-            <a:avLst/>
-          </a:prstGeom>
-          <a:solidFill>
-            <a:srgbClr val="FF0000"/>
-          </a:solidFill>
-        </p:spPr>
-        <p:style>
-          <a:lnRef idx="2">
-            <a:schemeClr val="accent1">
-              <a:shade val="50000"/>
-            </a:schemeClr>
-          </a:lnRef>
-          <a:fillRef idx="1">
-            <a:schemeClr val="accent1"/>
-          </a:fillRef>
-          <a:effectRef idx="0">
-            <a:schemeClr val="accent1"/>
-          </a:effectRef>
-          <a:fontRef idx="minor">
-            <a:schemeClr val="lt1"/>
-          </a:fontRef>
-        </p:style>
-        <p:txBody>
-          <a:bodyPr rtlCol="0" anchor="ctr"/>
-          <a:lstStyle/>
-          <a:p>
-            <a:pPr algn="ctr"/>
-            <a:endParaRPr lang="zh-CN" altLang="en-US"/>
-          </a:p>
-        </p:txBody>
-      </p:sp>
-      <p:sp>
-        <p:nvSpPr>
-          <p:cNvPr id="11" name="椭圆 10">
-            <a:extLst>
-              <a:ext uri="{FF2B5EF4-FFF2-40B4-BE49-F238E27FC236}">
-                <a16:creationId xmlns:a16="http://schemas.microsoft.com/office/drawing/2014/main" id="{6978B3A3-DCBD-4015-B835-0AC871AAAF62}"/>
-              </a:ext>
-            </a:extLst>
-          </p:cNvPr>
-          <p:cNvSpPr/>
-          <p:nvPr/>
-        </p:nvSpPr>
-        <p:spPr>
-          <a:xfrm>
-            <a:off x="5409249" y="4695737"/>
-            <a:ext cx="117446" cy="117446"/>
-          </a:xfrm>
-          <a:prstGeom prst="ellipse">
-            <a:avLst/>
-          </a:prstGeom>
-          <a:solidFill>
-            <a:srgbClr val="FF0000"/>
-          </a:solidFill>
-        </p:spPr>
-        <p:style>
-          <a:lnRef idx="2">
-            <a:schemeClr val="accent1">
-              <a:shade val="50000"/>
-            </a:schemeClr>
-          </a:lnRef>
-          <a:fillRef idx="1">
-            <a:schemeClr val="accent1"/>
-          </a:fillRef>
-          <a:effectRef idx="0">
-            <a:schemeClr val="accent1"/>
-          </a:effectRef>
-          <a:fontRef idx="minor">
-            <a:schemeClr val="lt1"/>
-          </a:fontRef>
-        </p:style>
-        <p:txBody>
-          <a:bodyPr rtlCol="0" anchor="ctr"/>
-          <a:lstStyle/>
-          <a:p>
-            <a:pPr algn="ctr"/>
+            <a:r>
+              <a:rPr lang="en-US" altLang="zh-CN" dirty="0"/>
+              <a:t>PR AUC</a:t>
+            </a:r>
             <a:endParaRPr lang="zh-CN" altLang="en-US" dirty="0"/>
           </a:p>
         </p:txBody>
       </p:sp>
       <p:sp>
         <p:nvSpPr>
-          <p:cNvPr id="12" name="椭圆 11">
-            <a:extLst>
-              <a:ext uri="{FF2B5EF4-FFF2-40B4-BE49-F238E27FC236}">
-                <a16:creationId xmlns:a16="http://schemas.microsoft.com/office/drawing/2014/main" id="{4766144C-D4C0-49E1-ABA8-4D73C09D37BB}"/>
-              </a:ext>
-            </a:extLst>
-          </p:cNvPr>
-          <p:cNvSpPr/>
-          <p:nvPr/>
-        </p:nvSpPr>
-        <p:spPr>
-          <a:xfrm>
-            <a:off x="3916010" y="3947020"/>
-            <a:ext cx="117446" cy="117446"/>
-          </a:xfrm>
-          <a:prstGeom prst="ellipse">
-            <a:avLst/>
-          </a:prstGeom>
-          <a:solidFill>
-            <a:srgbClr val="FF0000"/>
-          </a:solidFill>
-        </p:spPr>
-        <p:style>
-          <a:lnRef idx="2">
-            <a:schemeClr val="accent1">
-              <a:shade val="50000"/>
-            </a:schemeClr>
-          </a:lnRef>
-          <a:fillRef idx="1">
-            <a:schemeClr val="accent1"/>
-          </a:fillRef>
-          <a:effectRef idx="0">
-            <a:schemeClr val="accent1"/>
-          </a:effectRef>
-          <a:fontRef idx="minor">
-            <a:schemeClr val="lt1"/>
-          </a:fontRef>
-        </p:style>
-        <p:txBody>
-          <a:bodyPr rtlCol="0" anchor="ctr"/>
-          <a:lstStyle/>
-          <a:p>
-            <a:pPr algn="ctr"/>
-            <a:endParaRPr lang="zh-CN" altLang="en-US"/>
-          </a:p>
-        </p:txBody>
-      </p:sp>
-      <p:sp>
-        <p:nvSpPr>
-          <p:cNvPr id="13" name="椭圆 12">
-            <a:extLst>
-              <a:ext uri="{FF2B5EF4-FFF2-40B4-BE49-F238E27FC236}">
-                <a16:creationId xmlns:a16="http://schemas.microsoft.com/office/drawing/2014/main" id="{AC726196-9EFF-4914-A10B-AD75F9038B1C}"/>
-              </a:ext>
-            </a:extLst>
-          </p:cNvPr>
-          <p:cNvSpPr/>
-          <p:nvPr/>
-        </p:nvSpPr>
-        <p:spPr>
-          <a:xfrm>
-            <a:off x="6505410" y="3351401"/>
-            <a:ext cx="117446" cy="117446"/>
-          </a:xfrm>
-          <a:prstGeom prst="ellipse">
-            <a:avLst/>
-          </a:prstGeom>
-          <a:solidFill>
-            <a:srgbClr val="FF0000"/>
-          </a:solidFill>
-        </p:spPr>
-        <p:style>
-          <a:lnRef idx="2">
-            <a:schemeClr val="accent1">
-              <a:shade val="50000"/>
-            </a:schemeClr>
-          </a:lnRef>
-          <a:fillRef idx="1">
-            <a:schemeClr val="accent1"/>
-          </a:fillRef>
-          <a:effectRef idx="0">
-            <a:schemeClr val="accent1"/>
-          </a:effectRef>
-          <a:fontRef idx="minor">
-            <a:schemeClr val="lt1"/>
-          </a:fontRef>
-        </p:style>
-        <p:txBody>
-          <a:bodyPr rtlCol="0" anchor="ctr"/>
-          <a:lstStyle/>
-          <a:p>
-            <a:pPr algn="ctr"/>
-            <a:endParaRPr lang="zh-CN" altLang="en-US"/>
-          </a:p>
-        </p:txBody>
-      </p:sp>
-      <p:sp>
-        <p:nvSpPr>
-          <p:cNvPr id="14" name="椭圆 13">
-            <a:extLst>
-              <a:ext uri="{FF2B5EF4-FFF2-40B4-BE49-F238E27FC236}">
-                <a16:creationId xmlns:a16="http://schemas.microsoft.com/office/drawing/2014/main" id="{E1243820-B5F1-4429-86B6-9C8D5D59D367}"/>
-              </a:ext>
-            </a:extLst>
-          </p:cNvPr>
-          <p:cNvSpPr/>
-          <p:nvPr/>
-        </p:nvSpPr>
-        <p:spPr>
-          <a:xfrm>
-            <a:off x="8023818" y="4005743"/>
-            <a:ext cx="117446" cy="117446"/>
-          </a:xfrm>
-          <a:prstGeom prst="ellipse">
-            <a:avLst/>
-          </a:prstGeom>
-          <a:solidFill>
-            <a:srgbClr val="FF0000"/>
-          </a:solidFill>
-        </p:spPr>
-        <p:style>
-          <a:lnRef idx="2">
-            <a:schemeClr val="accent1">
-              <a:shade val="50000"/>
-            </a:schemeClr>
-          </a:lnRef>
-          <a:fillRef idx="1">
-            <a:schemeClr val="accent1"/>
-          </a:fillRef>
-          <a:effectRef idx="0">
-            <a:schemeClr val="accent1"/>
-          </a:effectRef>
-          <a:fontRef idx="minor">
-            <a:schemeClr val="lt1"/>
-          </a:fontRef>
-        </p:style>
-        <p:txBody>
-          <a:bodyPr rtlCol="0" anchor="ctr"/>
-          <a:lstStyle/>
-          <a:p>
-            <a:pPr algn="ctr"/>
-            <a:endParaRPr lang="zh-CN" altLang="en-US"/>
+          <p:cNvPr id="33" name="文本框 32">
+            <a:extLst>
+              <a:ext uri="{FF2B5EF4-FFF2-40B4-BE49-F238E27FC236}">
+                <a16:creationId xmlns:a16="http://schemas.microsoft.com/office/drawing/2014/main" id="{5DD1B82B-432C-48E4-8EAC-9D812F7E5C97}"/>
+              </a:ext>
+            </a:extLst>
+          </p:cNvPr>
+          <p:cNvSpPr txBox="1"/>
+          <p:nvPr/>
+        </p:nvSpPr>
+        <p:spPr>
+          <a:xfrm>
+            <a:off x="3809059" y="3314591"/>
+            <a:ext cx="453970" cy="369332"/>
+          </a:xfrm>
+          <a:prstGeom prst="rect">
+            <a:avLst/>
+          </a:prstGeom>
+          <a:noFill/>
+        </p:spPr>
+        <p:txBody>
+          <a:bodyPr wrap="none" rtlCol="0">
+            <a:spAutoFit/>
+          </a:bodyPr>
+          <a:lstStyle/>
+          <a:p>
+            <a:r>
+              <a:rPr lang="en-US" altLang="zh-CN" dirty="0"/>
+              <a:t>0.5</a:t>
+            </a:r>
+            <a:endParaRPr lang="zh-CN" altLang="en-US" dirty="0"/>
           </a:p>
         </p:txBody>
       </p:sp>
       <p:cxnSp>
         <p:nvCxnSpPr>
-          <p:cNvPr id="16" name="直接连接符 15">
-            <a:extLst>
-              <a:ext uri="{FF2B5EF4-FFF2-40B4-BE49-F238E27FC236}">
-                <a16:creationId xmlns:a16="http://schemas.microsoft.com/office/drawing/2014/main" id="{1E7F42F3-5AB5-458D-B6C7-D36244B12F60}"/>
-              </a:ext>
-            </a:extLst>
-          </p:cNvPr>
-          <p:cNvCxnSpPr/>
+          <p:cNvPr id="34" name="直接连接符 33">
+            <a:extLst>
+              <a:ext uri="{FF2B5EF4-FFF2-40B4-BE49-F238E27FC236}">
+                <a16:creationId xmlns:a16="http://schemas.microsoft.com/office/drawing/2014/main" id="{E826AC59-603A-4C57-9951-6665DC7715BD}"/>
+              </a:ext>
+            </a:extLst>
+          </p:cNvPr>
+          <p:cNvCxnSpPr>
+            <a:cxnSpLocks/>
+          </p:cNvCxnSpPr>
           <p:nvPr/>
         </p:nvCxnSpPr>
         <p:spPr>
           <a:xfrm>
-            <a:off x="3424106" y="3947020"/>
-            <a:ext cx="5343787" cy="0"/>
+            <a:off x="4263029" y="3507754"/>
+            <a:ext cx="3649211" cy="0"/>
           </a:xfrm>
           <a:prstGeom prst="line">
             <a:avLst/>
           </a:prstGeom>
+          <a:ln>
+            <a:prstDash val="lgDash"/>
+          </a:ln>
         </p:spPr>
         <p:style>
           <a:lnRef idx="1">
@@ -4007,270 +4024,10 @@
           </a:fontRef>
         </p:style>
       </p:cxnSp>
-      <p:cxnSp>
-        <p:nvCxnSpPr>
-          <p:cNvPr id="17" name="直接连接符 16">
-            <a:extLst>
-              <a:ext uri="{FF2B5EF4-FFF2-40B4-BE49-F238E27FC236}">
-                <a16:creationId xmlns:a16="http://schemas.microsoft.com/office/drawing/2014/main" id="{43BA5FCB-7861-4D78-987E-6C53CB75C478}"/>
-              </a:ext>
-            </a:extLst>
-          </p:cNvPr>
-          <p:cNvCxnSpPr/>
-          <p:nvPr/>
-        </p:nvCxnSpPr>
-        <p:spPr>
-          <a:xfrm>
-            <a:off x="3424106" y="3099732"/>
-            <a:ext cx="5343787" cy="0"/>
-          </a:xfrm>
-          <a:prstGeom prst="line">
-            <a:avLst/>
-          </a:prstGeom>
-          <a:ln>
-            <a:prstDash val="lgDash"/>
-          </a:ln>
-        </p:spPr>
-        <p:style>
-          <a:lnRef idx="1">
-            <a:schemeClr val="accent1"/>
-          </a:lnRef>
-          <a:fillRef idx="0">
-            <a:schemeClr val="accent1"/>
-          </a:fillRef>
-          <a:effectRef idx="0">
-            <a:schemeClr val="accent1"/>
-          </a:effectRef>
-          <a:fontRef idx="minor">
-            <a:schemeClr val="tx1"/>
-          </a:fontRef>
-        </p:style>
-      </p:cxnSp>
-      <p:cxnSp>
-        <p:nvCxnSpPr>
-          <p:cNvPr id="18" name="直接连接符 17">
-            <a:extLst>
-              <a:ext uri="{FF2B5EF4-FFF2-40B4-BE49-F238E27FC236}">
-                <a16:creationId xmlns:a16="http://schemas.microsoft.com/office/drawing/2014/main" id="{0F01C986-15A1-4188-A5D3-56DE22F745E1}"/>
-              </a:ext>
-            </a:extLst>
-          </p:cNvPr>
-          <p:cNvCxnSpPr/>
-          <p:nvPr/>
-        </p:nvCxnSpPr>
-        <p:spPr>
-          <a:xfrm>
-            <a:off x="3424106" y="4832057"/>
-            <a:ext cx="5343787" cy="0"/>
-          </a:xfrm>
-          <a:prstGeom prst="line">
-            <a:avLst/>
-          </a:prstGeom>
-          <a:ln>
-            <a:prstDash val="lgDash"/>
-          </a:ln>
-        </p:spPr>
-        <p:style>
-          <a:lnRef idx="1">
-            <a:schemeClr val="accent1"/>
-          </a:lnRef>
-          <a:fillRef idx="0">
-            <a:schemeClr val="accent1"/>
-          </a:fillRef>
-          <a:effectRef idx="0">
-            <a:schemeClr val="accent1"/>
-          </a:effectRef>
-          <a:fontRef idx="minor">
-            <a:schemeClr val="tx1"/>
-          </a:fontRef>
-        </p:style>
-      </p:cxnSp>
-      <p:sp>
-        <p:nvSpPr>
-          <p:cNvPr id="19" name="文本框 18">
-            <a:extLst>
-              <a:ext uri="{FF2B5EF4-FFF2-40B4-BE49-F238E27FC236}">
-                <a16:creationId xmlns:a16="http://schemas.microsoft.com/office/drawing/2014/main" id="{EF0B65EA-1DCF-44C1-9AE3-5BC37CFCB888}"/>
-              </a:ext>
-            </a:extLst>
-          </p:cNvPr>
-          <p:cNvSpPr txBox="1"/>
-          <p:nvPr/>
-        </p:nvSpPr>
-        <p:spPr>
-          <a:xfrm>
-            <a:off x="3130436" y="3513615"/>
-            <a:ext cx="293670" cy="369332"/>
-          </a:xfrm>
-          <a:prstGeom prst="rect">
-            <a:avLst/>
-          </a:prstGeom>
-          <a:noFill/>
-        </p:spPr>
-        <p:txBody>
-          <a:bodyPr wrap="none" rtlCol="0">
-            <a:spAutoFit/>
-          </a:bodyPr>
-          <a:lstStyle/>
-          <a:p>
-            <a:r>
-              <a:rPr lang="en-US" altLang="zh-CN" dirty="0"/>
-              <a:t>0</a:t>
-            </a:r>
-            <a:endParaRPr lang="zh-CN" altLang="en-US" dirty="0"/>
-          </a:p>
-        </p:txBody>
-      </p:sp>
-      <p:cxnSp>
-        <p:nvCxnSpPr>
-          <p:cNvPr id="21" name="直接连接符 20">
-            <a:extLst>
-              <a:ext uri="{FF2B5EF4-FFF2-40B4-BE49-F238E27FC236}">
-                <a16:creationId xmlns:a16="http://schemas.microsoft.com/office/drawing/2014/main" id="{705C7BA9-1285-446C-9ED7-95ADB7EBCC3C}"/>
-              </a:ext>
-            </a:extLst>
-          </p:cNvPr>
-          <p:cNvCxnSpPr>
-            <a:stCxn id="4" idx="1"/>
-          </p:cNvCxnSpPr>
-          <p:nvPr/>
-        </p:nvCxnSpPr>
-        <p:spPr>
-          <a:xfrm>
-            <a:off x="3424106" y="3663891"/>
-            <a:ext cx="107659" cy="0"/>
-          </a:xfrm>
-          <a:prstGeom prst="line">
-            <a:avLst/>
-          </a:prstGeom>
-        </p:spPr>
-        <p:style>
-          <a:lnRef idx="1">
-            <a:schemeClr val="accent1"/>
-          </a:lnRef>
-          <a:fillRef idx="0">
-            <a:schemeClr val="accent1"/>
-          </a:fillRef>
-          <a:effectRef idx="0">
-            <a:schemeClr val="accent1"/>
-          </a:effectRef>
-          <a:fontRef idx="minor">
-            <a:schemeClr val="tx1"/>
-          </a:fontRef>
-        </p:style>
-      </p:cxnSp>
-      <p:sp>
-        <p:nvSpPr>
-          <p:cNvPr id="22" name="文本框 21">
-            <a:extLst>
-              <a:ext uri="{FF2B5EF4-FFF2-40B4-BE49-F238E27FC236}">
-                <a16:creationId xmlns:a16="http://schemas.microsoft.com/office/drawing/2014/main" id="{ACBA6FB0-CC6B-4A22-87B4-841B99A899F4}"/>
-              </a:ext>
-            </a:extLst>
-          </p:cNvPr>
-          <p:cNvSpPr txBox="1"/>
-          <p:nvPr/>
-        </p:nvSpPr>
-        <p:spPr>
-          <a:xfrm>
-            <a:off x="8809578" y="3750819"/>
-            <a:ext cx="1636987" cy="369332"/>
-          </a:xfrm>
-          <a:prstGeom prst="rect">
-            <a:avLst/>
-          </a:prstGeom>
-          <a:noFill/>
-        </p:spPr>
-        <p:txBody>
-          <a:bodyPr wrap="none" rtlCol="0">
-            <a:spAutoFit/>
-          </a:bodyPr>
-          <a:lstStyle/>
-          <a:p>
-            <a:r>
-              <a:rPr lang="en-US" altLang="zh-CN" dirty="0"/>
-              <a:t>Mean difference</a:t>
-            </a:r>
-            <a:endParaRPr lang="zh-CN" altLang="en-US" dirty="0"/>
-          </a:p>
-        </p:txBody>
-      </p:sp>
-      <p:sp>
-        <p:nvSpPr>
-          <p:cNvPr id="23" name="文本框 22">
-            <a:extLst>
-              <a:ext uri="{FF2B5EF4-FFF2-40B4-BE49-F238E27FC236}">
-                <a16:creationId xmlns:a16="http://schemas.microsoft.com/office/drawing/2014/main" id="{566522F9-71F8-4838-926D-BC23C20B8965}"/>
-              </a:ext>
-            </a:extLst>
-          </p:cNvPr>
-          <p:cNvSpPr txBox="1"/>
-          <p:nvPr/>
-        </p:nvSpPr>
-        <p:spPr>
-          <a:xfrm>
-            <a:off x="8809578" y="2922515"/>
-            <a:ext cx="1750736" cy="369332"/>
-          </a:xfrm>
-          <a:prstGeom prst="rect">
-            <a:avLst/>
-          </a:prstGeom>
-          <a:noFill/>
-        </p:spPr>
-        <p:txBody>
-          <a:bodyPr wrap="none" rtlCol="0">
-            <a:spAutoFit/>
-          </a:bodyPr>
-          <a:lstStyle/>
-          <a:p>
-            <a:r>
-              <a:rPr lang="en-US" altLang="zh-CN" dirty="0"/>
-              <a:t>Mean + 1.96 S.D.</a:t>
-            </a:r>
-            <a:endParaRPr lang="zh-CN" altLang="en-US" dirty="0"/>
-          </a:p>
-        </p:txBody>
-      </p:sp>
-      <p:sp>
-        <p:nvSpPr>
-          <p:cNvPr id="24" name="文本框 23">
-            <a:extLst>
-              <a:ext uri="{FF2B5EF4-FFF2-40B4-BE49-F238E27FC236}">
-                <a16:creationId xmlns:a16="http://schemas.microsoft.com/office/drawing/2014/main" id="{62F03725-1894-4361-AF0E-3044C9FB7BA5}"/>
-              </a:ext>
-            </a:extLst>
-          </p:cNvPr>
-          <p:cNvSpPr txBox="1"/>
-          <p:nvPr/>
-        </p:nvSpPr>
-        <p:spPr>
-          <a:xfrm>
-            <a:off x="8809578" y="4628517"/>
-            <a:ext cx="1668983" cy="369332"/>
-          </a:xfrm>
-          <a:prstGeom prst="rect">
-            <a:avLst/>
-          </a:prstGeom>
-          <a:noFill/>
-        </p:spPr>
-        <p:txBody>
-          <a:bodyPr wrap="none" rtlCol="0">
-            <a:spAutoFit/>
-          </a:bodyPr>
-          <a:lstStyle/>
-          <a:p>
-            <a:r>
-              <a:rPr lang="en-US" altLang="zh-CN" dirty="0"/>
-              <a:t>Mean - 1.96 S.D.</a:t>
-            </a:r>
-            <a:endParaRPr lang="zh-CN" altLang="en-US" dirty="0"/>
-          </a:p>
-        </p:txBody>
-      </p:sp>
     </p:spTree>
     <p:extLst>
       <p:ext uri="{BB962C8B-B14F-4D97-AF65-F5344CB8AC3E}">
-        <p14:creationId xmlns:p14="http://schemas.microsoft.com/office/powerpoint/2010/main" val="4018336916"/>
+        <p14:creationId xmlns:p14="http://schemas.microsoft.com/office/powerpoint/2010/main" val="708690529"/>
       </p:ext>
     </p:extLst>
   </p:cSld>
@@ -4302,6 +4059,870 @@
           <p:cNvPr id="2" name="标题 1">
             <a:extLst>
               <a:ext uri="{FF2B5EF4-FFF2-40B4-BE49-F238E27FC236}">
+                <a16:creationId xmlns:a16="http://schemas.microsoft.com/office/drawing/2014/main" id="{ACEDCB7A-7766-4731-8D03-0DFD2CAA6F56}"/>
+              </a:ext>
+            </a:extLst>
+          </p:cNvPr>
+          <p:cNvSpPr>
+            <a:spLocks noGrp="1"/>
+          </p:cNvSpPr>
+          <p:nvPr>
+            <p:ph type="title"/>
+          </p:nvPr>
+        </p:nvSpPr>
+        <p:spPr/>
+        <p:txBody>
+          <a:bodyPr/>
+          <a:lstStyle/>
+          <a:p>
+            <a:r>
+              <a:rPr lang="en-US" altLang="zh-CN" dirty="0"/>
+              <a:t>Bland–Altman plot</a:t>
+            </a:r>
+            <a:endParaRPr lang="zh-CN" altLang="en-US" dirty="0"/>
+          </a:p>
+        </p:txBody>
+      </p:sp>
+      <p:sp>
+        <p:nvSpPr>
+          <p:cNvPr id="4" name="矩形 3">
+            <a:extLst>
+              <a:ext uri="{FF2B5EF4-FFF2-40B4-BE49-F238E27FC236}">
+                <a16:creationId xmlns:a16="http://schemas.microsoft.com/office/drawing/2014/main" id="{5715AF0A-8FA2-4BAD-AB69-88E382272982}"/>
+              </a:ext>
+            </a:extLst>
+          </p:cNvPr>
+          <p:cNvSpPr/>
+          <p:nvPr/>
+        </p:nvSpPr>
+        <p:spPr>
+          <a:xfrm>
+            <a:off x="3424106" y="2174845"/>
+            <a:ext cx="5343787" cy="2978092"/>
+          </a:xfrm>
+          <a:prstGeom prst="rect">
+            <a:avLst/>
+          </a:prstGeom>
+          <a:noFill/>
+        </p:spPr>
+        <p:style>
+          <a:lnRef idx="2">
+            <a:schemeClr val="accent1">
+              <a:shade val="50000"/>
+            </a:schemeClr>
+          </a:lnRef>
+          <a:fillRef idx="1">
+            <a:schemeClr val="accent1"/>
+          </a:fillRef>
+          <a:effectRef idx="0">
+            <a:schemeClr val="accent1"/>
+          </a:effectRef>
+          <a:fontRef idx="minor">
+            <a:schemeClr val="lt1"/>
+          </a:fontRef>
+        </p:style>
+        <p:txBody>
+          <a:bodyPr rtlCol="0" anchor="ctr"/>
+          <a:lstStyle/>
+          <a:p>
+            <a:pPr algn="ctr"/>
+            <a:endParaRPr lang="zh-CN" altLang="en-US"/>
+          </a:p>
+        </p:txBody>
+      </p:sp>
+      <p:sp>
+        <p:nvSpPr>
+          <p:cNvPr id="5" name="文本框 4">
+            <a:extLst>
+              <a:ext uri="{FF2B5EF4-FFF2-40B4-BE49-F238E27FC236}">
+                <a16:creationId xmlns:a16="http://schemas.microsoft.com/office/drawing/2014/main" id="{A43F33C8-1F4E-4E65-91A1-A89BCC2C54F2}"/>
+              </a:ext>
+            </a:extLst>
+          </p:cNvPr>
+          <p:cNvSpPr txBox="1"/>
+          <p:nvPr/>
+        </p:nvSpPr>
+        <p:spPr>
+          <a:xfrm>
+            <a:off x="4724149" y="5394121"/>
+            <a:ext cx="2743700" cy="369332"/>
+          </a:xfrm>
+          <a:prstGeom prst="rect">
+            <a:avLst/>
+          </a:prstGeom>
+          <a:noFill/>
+        </p:spPr>
+        <p:txBody>
+          <a:bodyPr wrap="none" rtlCol="0">
+            <a:spAutoFit/>
+          </a:bodyPr>
+          <a:lstStyle/>
+          <a:p>
+            <a:r>
+              <a:rPr lang="en-US" altLang="zh-CN" dirty="0"/>
+              <a:t>Average of the two methods</a:t>
+            </a:r>
+          </a:p>
+        </p:txBody>
+      </p:sp>
+      <p:sp>
+        <p:nvSpPr>
+          <p:cNvPr id="6" name="文本框 5">
+            <a:extLst>
+              <a:ext uri="{FF2B5EF4-FFF2-40B4-BE49-F238E27FC236}">
+                <a16:creationId xmlns:a16="http://schemas.microsoft.com/office/drawing/2014/main" id="{B2D1D236-CC8E-4C45-8CE2-BD111F1143AD}"/>
+              </a:ext>
+            </a:extLst>
+          </p:cNvPr>
+          <p:cNvSpPr txBox="1"/>
+          <p:nvPr/>
+        </p:nvSpPr>
+        <p:spPr>
+          <a:xfrm rot="16200000">
+            <a:off x="1123575" y="3479225"/>
+            <a:ext cx="3502113" cy="369332"/>
+          </a:xfrm>
+          <a:prstGeom prst="rect">
+            <a:avLst/>
+          </a:prstGeom>
+          <a:noFill/>
+        </p:spPr>
+        <p:txBody>
+          <a:bodyPr wrap="none" rtlCol="0">
+            <a:spAutoFit/>
+          </a:bodyPr>
+          <a:lstStyle/>
+          <a:p>
+            <a:r>
+              <a:rPr lang="en-US" altLang="zh-CN" dirty="0"/>
+              <a:t>Difference between the two methods</a:t>
+            </a:r>
+          </a:p>
+        </p:txBody>
+      </p:sp>
+      <p:sp>
+        <p:nvSpPr>
+          <p:cNvPr id="7" name="椭圆 6">
+            <a:extLst>
+              <a:ext uri="{FF2B5EF4-FFF2-40B4-BE49-F238E27FC236}">
+                <a16:creationId xmlns:a16="http://schemas.microsoft.com/office/drawing/2014/main" id="{0727FFA4-940D-4AB6-A1DC-8CD91504056B}"/>
+              </a:ext>
+            </a:extLst>
+          </p:cNvPr>
+          <p:cNvSpPr/>
+          <p:nvPr/>
+        </p:nvSpPr>
+        <p:spPr>
+          <a:xfrm>
+            <a:off x="4337108" y="2860645"/>
+            <a:ext cx="117446" cy="117446"/>
+          </a:xfrm>
+          <a:prstGeom prst="ellipse">
+            <a:avLst/>
+          </a:prstGeom>
+          <a:solidFill>
+            <a:srgbClr val="FF0000"/>
+          </a:solidFill>
+        </p:spPr>
+        <p:style>
+          <a:lnRef idx="2">
+            <a:schemeClr val="accent1">
+              <a:shade val="50000"/>
+            </a:schemeClr>
+          </a:lnRef>
+          <a:fillRef idx="1">
+            <a:schemeClr val="accent1"/>
+          </a:fillRef>
+          <a:effectRef idx="0">
+            <a:schemeClr val="accent1"/>
+          </a:effectRef>
+          <a:fontRef idx="minor">
+            <a:schemeClr val="lt1"/>
+          </a:fontRef>
+        </p:style>
+        <p:txBody>
+          <a:bodyPr rtlCol="0" anchor="ctr"/>
+          <a:lstStyle/>
+          <a:p>
+            <a:pPr algn="ctr"/>
+            <a:endParaRPr lang="zh-CN" altLang="en-US" dirty="0"/>
+          </a:p>
+        </p:txBody>
+      </p:sp>
+      <p:sp>
+        <p:nvSpPr>
+          <p:cNvPr id="8" name="椭圆 7">
+            <a:extLst>
+              <a:ext uri="{FF2B5EF4-FFF2-40B4-BE49-F238E27FC236}">
+                <a16:creationId xmlns:a16="http://schemas.microsoft.com/office/drawing/2014/main" id="{9F4D52E9-D47C-44DD-82F0-66C62B6E82B5}"/>
+              </a:ext>
+            </a:extLst>
+          </p:cNvPr>
+          <p:cNvSpPr/>
+          <p:nvPr/>
+        </p:nvSpPr>
+        <p:spPr>
+          <a:xfrm>
+            <a:off x="4882393" y="3605168"/>
+            <a:ext cx="117446" cy="117446"/>
+          </a:xfrm>
+          <a:prstGeom prst="ellipse">
+            <a:avLst/>
+          </a:prstGeom>
+          <a:solidFill>
+            <a:srgbClr val="FF0000"/>
+          </a:solidFill>
+        </p:spPr>
+        <p:style>
+          <a:lnRef idx="2">
+            <a:schemeClr val="accent1">
+              <a:shade val="50000"/>
+            </a:schemeClr>
+          </a:lnRef>
+          <a:fillRef idx="1">
+            <a:schemeClr val="accent1"/>
+          </a:fillRef>
+          <a:effectRef idx="0">
+            <a:schemeClr val="accent1"/>
+          </a:effectRef>
+          <a:fontRef idx="minor">
+            <a:schemeClr val="lt1"/>
+          </a:fontRef>
+        </p:style>
+        <p:txBody>
+          <a:bodyPr rtlCol="0" anchor="ctr"/>
+          <a:lstStyle/>
+          <a:p>
+            <a:pPr algn="ctr"/>
+            <a:endParaRPr lang="zh-CN" altLang="en-US"/>
+          </a:p>
+        </p:txBody>
+      </p:sp>
+      <p:sp>
+        <p:nvSpPr>
+          <p:cNvPr id="9" name="椭圆 8">
+            <a:extLst>
+              <a:ext uri="{FF2B5EF4-FFF2-40B4-BE49-F238E27FC236}">
+                <a16:creationId xmlns:a16="http://schemas.microsoft.com/office/drawing/2014/main" id="{ABE3EC65-9CFE-4AA6-B160-73A0DCE14411}"/>
+              </a:ext>
+            </a:extLst>
+          </p:cNvPr>
+          <p:cNvSpPr/>
+          <p:nvPr/>
+        </p:nvSpPr>
+        <p:spPr>
+          <a:xfrm>
+            <a:off x="6766420" y="3710030"/>
+            <a:ext cx="117446" cy="117446"/>
+          </a:xfrm>
+          <a:prstGeom prst="ellipse">
+            <a:avLst/>
+          </a:prstGeom>
+          <a:solidFill>
+            <a:srgbClr val="FF0000"/>
+          </a:solidFill>
+        </p:spPr>
+        <p:style>
+          <a:lnRef idx="2">
+            <a:schemeClr val="accent1">
+              <a:shade val="50000"/>
+            </a:schemeClr>
+          </a:lnRef>
+          <a:fillRef idx="1">
+            <a:schemeClr val="accent1"/>
+          </a:fillRef>
+          <a:effectRef idx="0">
+            <a:schemeClr val="accent1"/>
+          </a:effectRef>
+          <a:fontRef idx="minor">
+            <a:schemeClr val="lt1"/>
+          </a:fontRef>
+        </p:style>
+        <p:txBody>
+          <a:bodyPr rtlCol="0" anchor="ctr"/>
+          <a:lstStyle/>
+          <a:p>
+            <a:pPr algn="ctr"/>
+            <a:endParaRPr lang="zh-CN" altLang="en-US"/>
+          </a:p>
+        </p:txBody>
+      </p:sp>
+      <p:sp>
+        <p:nvSpPr>
+          <p:cNvPr id="10" name="椭圆 9">
+            <a:extLst>
+              <a:ext uri="{FF2B5EF4-FFF2-40B4-BE49-F238E27FC236}">
+                <a16:creationId xmlns:a16="http://schemas.microsoft.com/office/drawing/2014/main" id="{A8909514-47DB-435B-8BE8-F9E24CEC05C1}"/>
+              </a:ext>
+            </a:extLst>
+          </p:cNvPr>
+          <p:cNvSpPr/>
+          <p:nvPr/>
+        </p:nvSpPr>
+        <p:spPr>
+          <a:xfrm>
+            <a:off x="7614407" y="4200787"/>
+            <a:ext cx="117446" cy="117446"/>
+          </a:xfrm>
+          <a:prstGeom prst="ellipse">
+            <a:avLst/>
+          </a:prstGeom>
+          <a:solidFill>
+            <a:srgbClr val="FF0000"/>
+          </a:solidFill>
+        </p:spPr>
+        <p:style>
+          <a:lnRef idx="2">
+            <a:schemeClr val="accent1">
+              <a:shade val="50000"/>
+            </a:schemeClr>
+          </a:lnRef>
+          <a:fillRef idx="1">
+            <a:schemeClr val="accent1"/>
+          </a:fillRef>
+          <a:effectRef idx="0">
+            <a:schemeClr val="accent1"/>
+          </a:effectRef>
+          <a:fontRef idx="minor">
+            <a:schemeClr val="lt1"/>
+          </a:fontRef>
+        </p:style>
+        <p:txBody>
+          <a:bodyPr rtlCol="0" anchor="ctr"/>
+          <a:lstStyle/>
+          <a:p>
+            <a:pPr algn="ctr"/>
+            <a:endParaRPr lang="zh-CN" altLang="en-US"/>
+          </a:p>
+        </p:txBody>
+      </p:sp>
+      <p:sp>
+        <p:nvSpPr>
+          <p:cNvPr id="11" name="椭圆 10">
+            <a:extLst>
+              <a:ext uri="{FF2B5EF4-FFF2-40B4-BE49-F238E27FC236}">
+                <a16:creationId xmlns:a16="http://schemas.microsoft.com/office/drawing/2014/main" id="{6978B3A3-DCBD-4015-B835-0AC871AAAF62}"/>
+              </a:ext>
+            </a:extLst>
+          </p:cNvPr>
+          <p:cNvSpPr/>
+          <p:nvPr/>
+        </p:nvSpPr>
+        <p:spPr>
+          <a:xfrm>
+            <a:off x="5409249" y="4695737"/>
+            <a:ext cx="117446" cy="117446"/>
+          </a:xfrm>
+          <a:prstGeom prst="ellipse">
+            <a:avLst/>
+          </a:prstGeom>
+          <a:solidFill>
+            <a:srgbClr val="FF0000"/>
+          </a:solidFill>
+        </p:spPr>
+        <p:style>
+          <a:lnRef idx="2">
+            <a:schemeClr val="accent1">
+              <a:shade val="50000"/>
+            </a:schemeClr>
+          </a:lnRef>
+          <a:fillRef idx="1">
+            <a:schemeClr val="accent1"/>
+          </a:fillRef>
+          <a:effectRef idx="0">
+            <a:schemeClr val="accent1"/>
+          </a:effectRef>
+          <a:fontRef idx="minor">
+            <a:schemeClr val="lt1"/>
+          </a:fontRef>
+        </p:style>
+        <p:txBody>
+          <a:bodyPr rtlCol="0" anchor="ctr"/>
+          <a:lstStyle/>
+          <a:p>
+            <a:pPr algn="ctr"/>
+            <a:endParaRPr lang="zh-CN" altLang="en-US" dirty="0"/>
+          </a:p>
+        </p:txBody>
+      </p:sp>
+      <p:sp>
+        <p:nvSpPr>
+          <p:cNvPr id="12" name="椭圆 11">
+            <a:extLst>
+              <a:ext uri="{FF2B5EF4-FFF2-40B4-BE49-F238E27FC236}">
+                <a16:creationId xmlns:a16="http://schemas.microsoft.com/office/drawing/2014/main" id="{4766144C-D4C0-49E1-ABA8-4D73C09D37BB}"/>
+              </a:ext>
+            </a:extLst>
+          </p:cNvPr>
+          <p:cNvSpPr/>
+          <p:nvPr/>
+        </p:nvSpPr>
+        <p:spPr>
+          <a:xfrm>
+            <a:off x="3916010" y="3947020"/>
+            <a:ext cx="117446" cy="117446"/>
+          </a:xfrm>
+          <a:prstGeom prst="ellipse">
+            <a:avLst/>
+          </a:prstGeom>
+          <a:solidFill>
+            <a:srgbClr val="FF0000"/>
+          </a:solidFill>
+        </p:spPr>
+        <p:style>
+          <a:lnRef idx="2">
+            <a:schemeClr val="accent1">
+              <a:shade val="50000"/>
+            </a:schemeClr>
+          </a:lnRef>
+          <a:fillRef idx="1">
+            <a:schemeClr val="accent1"/>
+          </a:fillRef>
+          <a:effectRef idx="0">
+            <a:schemeClr val="accent1"/>
+          </a:effectRef>
+          <a:fontRef idx="minor">
+            <a:schemeClr val="lt1"/>
+          </a:fontRef>
+        </p:style>
+        <p:txBody>
+          <a:bodyPr rtlCol="0" anchor="ctr"/>
+          <a:lstStyle/>
+          <a:p>
+            <a:pPr algn="ctr"/>
+            <a:endParaRPr lang="zh-CN" altLang="en-US"/>
+          </a:p>
+        </p:txBody>
+      </p:sp>
+      <p:sp>
+        <p:nvSpPr>
+          <p:cNvPr id="13" name="椭圆 12">
+            <a:extLst>
+              <a:ext uri="{FF2B5EF4-FFF2-40B4-BE49-F238E27FC236}">
+                <a16:creationId xmlns:a16="http://schemas.microsoft.com/office/drawing/2014/main" id="{AC726196-9EFF-4914-A10B-AD75F9038B1C}"/>
+              </a:ext>
+            </a:extLst>
+          </p:cNvPr>
+          <p:cNvSpPr/>
+          <p:nvPr/>
+        </p:nvSpPr>
+        <p:spPr>
+          <a:xfrm>
+            <a:off x="6505410" y="3351401"/>
+            <a:ext cx="117446" cy="117446"/>
+          </a:xfrm>
+          <a:prstGeom prst="ellipse">
+            <a:avLst/>
+          </a:prstGeom>
+          <a:solidFill>
+            <a:srgbClr val="FF0000"/>
+          </a:solidFill>
+        </p:spPr>
+        <p:style>
+          <a:lnRef idx="2">
+            <a:schemeClr val="accent1">
+              <a:shade val="50000"/>
+            </a:schemeClr>
+          </a:lnRef>
+          <a:fillRef idx="1">
+            <a:schemeClr val="accent1"/>
+          </a:fillRef>
+          <a:effectRef idx="0">
+            <a:schemeClr val="accent1"/>
+          </a:effectRef>
+          <a:fontRef idx="minor">
+            <a:schemeClr val="lt1"/>
+          </a:fontRef>
+        </p:style>
+        <p:txBody>
+          <a:bodyPr rtlCol="0" anchor="ctr"/>
+          <a:lstStyle/>
+          <a:p>
+            <a:pPr algn="ctr"/>
+            <a:endParaRPr lang="zh-CN" altLang="en-US"/>
+          </a:p>
+        </p:txBody>
+      </p:sp>
+      <p:sp>
+        <p:nvSpPr>
+          <p:cNvPr id="14" name="椭圆 13">
+            <a:extLst>
+              <a:ext uri="{FF2B5EF4-FFF2-40B4-BE49-F238E27FC236}">
+                <a16:creationId xmlns:a16="http://schemas.microsoft.com/office/drawing/2014/main" id="{E1243820-B5F1-4429-86B6-9C8D5D59D367}"/>
+              </a:ext>
+            </a:extLst>
+          </p:cNvPr>
+          <p:cNvSpPr/>
+          <p:nvPr/>
+        </p:nvSpPr>
+        <p:spPr>
+          <a:xfrm>
+            <a:off x="8023818" y="4005743"/>
+            <a:ext cx="117446" cy="117446"/>
+          </a:xfrm>
+          <a:prstGeom prst="ellipse">
+            <a:avLst/>
+          </a:prstGeom>
+          <a:solidFill>
+            <a:srgbClr val="FF0000"/>
+          </a:solidFill>
+        </p:spPr>
+        <p:style>
+          <a:lnRef idx="2">
+            <a:schemeClr val="accent1">
+              <a:shade val="50000"/>
+            </a:schemeClr>
+          </a:lnRef>
+          <a:fillRef idx="1">
+            <a:schemeClr val="accent1"/>
+          </a:fillRef>
+          <a:effectRef idx="0">
+            <a:schemeClr val="accent1"/>
+          </a:effectRef>
+          <a:fontRef idx="minor">
+            <a:schemeClr val="lt1"/>
+          </a:fontRef>
+        </p:style>
+        <p:txBody>
+          <a:bodyPr rtlCol="0" anchor="ctr"/>
+          <a:lstStyle/>
+          <a:p>
+            <a:pPr algn="ctr"/>
+            <a:endParaRPr lang="zh-CN" altLang="en-US"/>
+          </a:p>
+        </p:txBody>
+      </p:sp>
+      <p:cxnSp>
+        <p:nvCxnSpPr>
+          <p:cNvPr id="16" name="直接连接符 15">
+            <a:extLst>
+              <a:ext uri="{FF2B5EF4-FFF2-40B4-BE49-F238E27FC236}">
+                <a16:creationId xmlns:a16="http://schemas.microsoft.com/office/drawing/2014/main" id="{1E7F42F3-5AB5-458D-B6C7-D36244B12F60}"/>
+              </a:ext>
+            </a:extLst>
+          </p:cNvPr>
+          <p:cNvCxnSpPr/>
+          <p:nvPr/>
+        </p:nvCxnSpPr>
+        <p:spPr>
+          <a:xfrm>
+            <a:off x="3424106" y="3947020"/>
+            <a:ext cx="5343787" cy="0"/>
+          </a:xfrm>
+          <a:prstGeom prst="line">
+            <a:avLst/>
+          </a:prstGeom>
+        </p:spPr>
+        <p:style>
+          <a:lnRef idx="1">
+            <a:schemeClr val="accent1"/>
+          </a:lnRef>
+          <a:fillRef idx="0">
+            <a:schemeClr val="accent1"/>
+          </a:fillRef>
+          <a:effectRef idx="0">
+            <a:schemeClr val="accent1"/>
+          </a:effectRef>
+          <a:fontRef idx="minor">
+            <a:schemeClr val="tx1"/>
+          </a:fontRef>
+        </p:style>
+      </p:cxnSp>
+      <p:cxnSp>
+        <p:nvCxnSpPr>
+          <p:cNvPr id="17" name="直接连接符 16">
+            <a:extLst>
+              <a:ext uri="{FF2B5EF4-FFF2-40B4-BE49-F238E27FC236}">
+                <a16:creationId xmlns:a16="http://schemas.microsoft.com/office/drawing/2014/main" id="{43BA5FCB-7861-4D78-987E-6C53CB75C478}"/>
+              </a:ext>
+            </a:extLst>
+          </p:cNvPr>
+          <p:cNvCxnSpPr/>
+          <p:nvPr/>
+        </p:nvCxnSpPr>
+        <p:spPr>
+          <a:xfrm>
+            <a:off x="3424106" y="3099732"/>
+            <a:ext cx="5343787" cy="0"/>
+          </a:xfrm>
+          <a:prstGeom prst="line">
+            <a:avLst/>
+          </a:prstGeom>
+          <a:ln>
+            <a:prstDash val="lgDash"/>
+          </a:ln>
+        </p:spPr>
+        <p:style>
+          <a:lnRef idx="1">
+            <a:schemeClr val="accent1"/>
+          </a:lnRef>
+          <a:fillRef idx="0">
+            <a:schemeClr val="accent1"/>
+          </a:fillRef>
+          <a:effectRef idx="0">
+            <a:schemeClr val="accent1"/>
+          </a:effectRef>
+          <a:fontRef idx="minor">
+            <a:schemeClr val="tx1"/>
+          </a:fontRef>
+        </p:style>
+      </p:cxnSp>
+      <p:cxnSp>
+        <p:nvCxnSpPr>
+          <p:cNvPr id="18" name="直接连接符 17">
+            <a:extLst>
+              <a:ext uri="{FF2B5EF4-FFF2-40B4-BE49-F238E27FC236}">
+                <a16:creationId xmlns:a16="http://schemas.microsoft.com/office/drawing/2014/main" id="{0F01C986-15A1-4188-A5D3-56DE22F745E1}"/>
+              </a:ext>
+            </a:extLst>
+          </p:cNvPr>
+          <p:cNvCxnSpPr/>
+          <p:nvPr/>
+        </p:nvCxnSpPr>
+        <p:spPr>
+          <a:xfrm>
+            <a:off x="3424106" y="4832057"/>
+            <a:ext cx="5343787" cy="0"/>
+          </a:xfrm>
+          <a:prstGeom prst="line">
+            <a:avLst/>
+          </a:prstGeom>
+          <a:ln>
+            <a:prstDash val="lgDash"/>
+          </a:ln>
+        </p:spPr>
+        <p:style>
+          <a:lnRef idx="1">
+            <a:schemeClr val="accent1"/>
+          </a:lnRef>
+          <a:fillRef idx="0">
+            <a:schemeClr val="accent1"/>
+          </a:fillRef>
+          <a:effectRef idx="0">
+            <a:schemeClr val="accent1"/>
+          </a:effectRef>
+          <a:fontRef idx="minor">
+            <a:schemeClr val="tx1"/>
+          </a:fontRef>
+        </p:style>
+      </p:cxnSp>
+      <p:sp>
+        <p:nvSpPr>
+          <p:cNvPr id="19" name="文本框 18">
+            <a:extLst>
+              <a:ext uri="{FF2B5EF4-FFF2-40B4-BE49-F238E27FC236}">
+                <a16:creationId xmlns:a16="http://schemas.microsoft.com/office/drawing/2014/main" id="{EF0B65EA-1DCF-44C1-9AE3-5BC37CFCB888}"/>
+              </a:ext>
+            </a:extLst>
+          </p:cNvPr>
+          <p:cNvSpPr txBox="1"/>
+          <p:nvPr/>
+        </p:nvSpPr>
+        <p:spPr>
+          <a:xfrm>
+            <a:off x="3130436" y="3513615"/>
+            <a:ext cx="293670" cy="369332"/>
+          </a:xfrm>
+          <a:prstGeom prst="rect">
+            <a:avLst/>
+          </a:prstGeom>
+          <a:noFill/>
+        </p:spPr>
+        <p:txBody>
+          <a:bodyPr wrap="none" rtlCol="0">
+            <a:spAutoFit/>
+          </a:bodyPr>
+          <a:lstStyle/>
+          <a:p>
+            <a:r>
+              <a:rPr lang="en-US" altLang="zh-CN" dirty="0"/>
+              <a:t>0</a:t>
+            </a:r>
+            <a:endParaRPr lang="zh-CN" altLang="en-US" dirty="0"/>
+          </a:p>
+        </p:txBody>
+      </p:sp>
+      <p:cxnSp>
+        <p:nvCxnSpPr>
+          <p:cNvPr id="21" name="直接连接符 20">
+            <a:extLst>
+              <a:ext uri="{FF2B5EF4-FFF2-40B4-BE49-F238E27FC236}">
+                <a16:creationId xmlns:a16="http://schemas.microsoft.com/office/drawing/2014/main" id="{705C7BA9-1285-446C-9ED7-95ADB7EBCC3C}"/>
+              </a:ext>
+            </a:extLst>
+          </p:cNvPr>
+          <p:cNvCxnSpPr>
+            <a:stCxn id="4" idx="1"/>
+          </p:cNvCxnSpPr>
+          <p:nvPr/>
+        </p:nvCxnSpPr>
+        <p:spPr>
+          <a:xfrm>
+            <a:off x="3424106" y="3663891"/>
+            <a:ext cx="107659" cy="0"/>
+          </a:xfrm>
+          <a:prstGeom prst="line">
+            <a:avLst/>
+          </a:prstGeom>
+        </p:spPr>
+        <p:style>
+          <a:lnRef idx="1">
+            <a:schemeClr val="accent1"/>
+          </a:lnRef>
+          <a:fillRef idx="0">
+            <a:schemeClr val="accent1"/>
+          </a:fillRef>
+          <a:effectRef idx="0">
+            <a:schemeClr val="accent1"/>
+          </a:effectRef>
+          <a:fontRef idx="minor">
+            <a:schemeClr val="tx1"/>
+          </a:fontRef>
+        </p:style>
+      </p:cxnSp>
+      <p:sp>
+        <p:nvSpPr>
+          <p:cNvPr id="22" name="文本框 21">
+            <a:extLst>
+              <a:ext uri="{FF2B5EF4-FFF2-40B4-BE49-F238E27FC236}">
+                <a16:creationId xmlns:a16="http://schemas.microsoft.com/office/drawing/2014/main" id="{ACBA6FB0-CC6B-4A22-87B4-841B99A899F4}"/>
+              </a:ext>
+            </a:extLst>
+          </p:cNvPr>
+          <p:cNvSpPr txBox="1"/>
+          <p:nvPr/>
+        </p:nvSpPr>
+        <p:spPr>
+          <a:xfrm>
+            <a:off x="8809578" y="3750819"/>
+            <a:ext cx="1636987" cy="369332"/>
+          </a:xfrm>
+          <a:prstGeom prst="rect">
+            <a:avLst/>
+          </a:prstGeom>
+          <a:noFill/>
+        </p:spPr>
+        <p:txBody>
+          <a:bodyPr wrap="none" rtlCol="0">
+            <a:spAutoFit/>
+          </a:bodyPr>
+          <a:lstStyle/>
+          <a:p>
+            <a:r>
+              <a:rPr lang="en-US" altLang="zh-CN" dirty="0"/>
+              <a:t>Mean difference</a:t>
+            </a:r>
+            <a:endParaRPr lang="zh-CN" altLang="en-US" dirty="0"/>
+          </a:p>
+        </p:txBody>
+      </p:sp>
+      <p:sp>
+        <p:nvSpPr>
+          <p:cNvPr id="23" name="文本框 22">
+            <a:extLst>
+              <a:ext uri="{FF2B5EF4-FFF2-40B4-BE49-F238E27FC236}">
+                <a16:creationId xmlns:a16="http://schemas.microsoft.com/office/drawing/2014/main" id="{566522F9-71F8-4838-926D-BC23C20B8965}"/>
+              </a:ext>
+            </a:extLst>
+          </p:cNvPr>
+          <p:cNvSpPr txBox="1"/>
+          <p:nvPr/>
+        </p:nvSpPr>
+        <p:spPr>
+          <a:xfrm>
+            <a:off x="8809578" y="2922515"/>
+            <a:ext cx="1750736" cy="369332"/>
+          </a:xfrm>
+          <a:prstGeom prst="rect">
+            <a:avLst/>
+          </a:prstGeom>
+          <a:noFill/>
+        </p:spPr>
+        <p:txBody>
+          <a:bodyPr wrap="none" rtlCol="0">
+            <a:spAutoFit/>
+          </a:bodyPr>
+          <a:lstStyle/>
+          <a:p>
+            <a:r>
+              <a:rPr lang="en-US" altLang="zh-CN" dirty="0"/>
+              <a:t>Mean + 1.96 S.D.</a:t>
+            </a:r>
+            <a:endParaRPr lang="zh-CN" altLang="en-US" dirty="0"/>
+          </a:p>
+        </p:txBody>
+      </p:sp>
+      <p:sp>
+        <p:nvSpPr>
+          <p:cNvPr id="24" name="文本框 23">
+            <a:extLst>
+              <a:ext uri="{FF2B5EF4-FFF2-40B4-BE49-F238E27FC236}">
+                <a16:creationId xmlns:a16="http://schemas.microsoft.com/office/drawing/2014/main" id="{62F03725-1894-4361-AF0E-3044C9FB7BA5}"/>
+              </a:ext>
+            </a:extLst>
+          </p:cNvPr>
+          <p:cNvSpPr txBox="1"/>
+          <p:nvPr/>
+        </p:nvSpPr>
+        <p:spPr>
+          <a:xfrm>
+            <a:off x="8809578" y="4628517"/>
+            <a:ext cx="1668983" cy="369332"/>
+          </a:xfrm>
+          <a:prstGeom prst="rect">
+            <a:avLst/>
+          </a:prstGeom>
+          <a:noFill/>
+        </p:spPr>
+        <p:txBody>
+          <a:bodyPr wrap="none" rtlCol="0">
+            <a:spAutoFit/>
+          </a:bodyPr>
+          <a:lstStyle/>
+          <a:p>
+            <a:r>
+              <a:rPr lang="en-US" altLang="zh-CN" dirty="0"/>
+              <a:t>Mean - 1.96 S.D.</a:t>
+            </a:r>
+            <a:endParaRPr lang="zh-CN" altLang="en-US" dirty="0"/>
+          </a:p>
+        </p:txBody>
+      </p:sp>
+    </p:spTree>
+    <p:extLst>
+      <p:ext uri="{BB962C8B-B14F-4D97-AF65-F5344CB8AC3E}">
+        <p14:creationId xmlns:p14="http://schemas.microsoft.com/office/powerpoint/2010/main" val="4018336916"/>
+      </p:ext>
+    </p:extLst>
+  </p:cSld>
+  <p:clrMapOvr>
+    <a:masterClrMapping/>
+  </p:clrMapOvr>
+</p:sld>
+</file>
+
+<file path=ppt/slides/slide4.xml><?xml version="1.0" encoding="utf-8"?>
+<p:sld xmlns:a="http://schemas.openxmlformats.org/drawingml/2006/main" xmlns:r="http://schemas.openxmlformats.org/officeDocument/2006/relationships" xmlns:p="http://schemas.openxmlformats.org/presentationml/2006/main">
+  <p:cSld>
+    <p:spTree>
+      <p:nvGrpSpPr>
+        <p:cNvPr id="1" name=""/>
+        <p:cNvGrpSpPr/>
+        <p:nvPr/>
+      </p:nvGrpSpPr>
+      <p:grpSpPr>
+        <a:xfrm>
+          <a:off x="0" y="0"/>
+          <a:ext cx="0" cy="0"/>
+          <a:chOff x="0" y="0"/>
+          <a:chExt cx="0" cy="0"/>
+        </a:xfrm>
+      </p:grpSpPr>
+      <p:sp>
+        <p:nvSpPr>
+          <p:cNvPr id="2" name="标题 1">
+            <a:extLst>
+              <a:ext uri="{FF2B5EF4-FFF2-40B4-BE49-F238E27FC236}">
                 <a16:creationId xmlns:a16="http://schemas.microsoft.com/office/drawing/2014/main" id="{7CCB8B11-1B33-48E1-AABA-2A3ED54DBF6D}"/>
               </a:ext>
             </a:extLst>
@@ -5875,7 +6496,855 @@
 </p:sld>
 </file>
 
-<file path=ppt/slides/slide4.xml><?xml version="1.0" encoding="utf-8"?>
+<file path=ppt/slides/slide5.xml><?xml version="1.0" encoding="utf-8"?>
+<p:sld xmlns:a="http://schemas.openxmlformats.org/drawingml/2006/main" xmlns:r="http://schemas.openxmlformats.org/officeDocument/2006/relationships" xmlns:p="http://schemas.openxmlformats.org/presentationml/2006/main">
+  <p:cSld>
+    <p:spTree>
+      <p:nvGrpSpPr>
+        <p:cNvPr id="1" name=""/>
+        <p:cNvGrpSpPr/>
+        <p:nvPr/>
+      </p:nvGrpSpPr>
+      <p:grpSpPr>
+        <a:xfrm>
+          <a:off x="0" y="0"/>
+          <a:ext cx="0" cy="0"/>
+          <a:chOff x="0" y="0"/>
+          <a:chExt cx="0" cy="0"/>
+        </a:xfrm>
+      </p:grpSpPr>
+      <p:sp>
+        <p:nvSpPr>
+          <p:cNvPr id="2" name="标题 1">
+            <a:extLst>
+              <a:ext uri="{FF2B5EF4-FFF2-40B4-BE49-F238E27FC236}">
+                <a16:creationId xmlns:a16="http://schemas.microsoft.com/office/drawing/2014/main" id="{5AC659EA-3975-4216-A59B-3A6827B63B36}"/>
+              </a:ext>
+            </a:extLst>
+          </p:cNvPr>
+          <p:cNvSpPr>
+            <a:spLocks noGrp="1"/>
+          </p:cNvSpPr>
+          <p:nvPr>
+            <p:ph type="title"/>
+          </p:nvPr>
+        </p:nvSpPr>
+        <p:spPr/>
+        <p:txBody>
+          <a:bodyPr/>
+          <a:lstStyle/>
+          <a:p>
+            <a:r>
+              <a:rPr lang="en-US" altLang="zh-CN" dirty="0"/>
+              <a:t>Calibration plot</a:t>
+            </a:r>
+            <a:endParaRPr lang="zh-CN" altLang="en-US" dirty="0"/>
+          </a:p>
+        </p:txBody>
+      </p:sp>
+      <p:sp>
+        <p:nvSpPr>
+          <p:cNvPr id="5" name="矩形 4">
+            <a:extLst>
+              <a:ext uri="{FF2B5EF4-FFF2-40B4-BE49-F238E27FC236}">
+                <a16:creationId xmlns:a16="http://schemas.microsoft.com/office/drawing/2014/main" id="{E371E39F-F058-416E-BC67-2E61D96A1A42}"/>
+              </a:ext>
+            </a:extLst>
+          </p:cNvPr>
+          <p:cNvSpPr/>
+          <p:nvPr/>
+        </p:nvSpPr>
+        <p:spPr>
+          <a:xfrm>
+            <a:off x="4128782" y="1834081"/>
+            <a:ext cx="3649211" cy="3649211"/>
+          </a:xfrm>
+          <a:prstGeom prst="rect">
+            <a:avLst/>
+          </a:prstGeom>
+          <a:solidFill>
+            <a:schemeClr val="bg1"/>
+          </a:solidFill>
+        </p:spPr>
+        <p:style>
+          <a:lnRef idx="2">
+            <a:schemeClr val="accent1">
+              <a:shade val="50000"/>
+            </a:schemeClr>
+          </a:lnRef>
+          <a:fillRef idx="1">
+            <a:schemeClr val="accent1"/>
+          </a:fillRef>
+          <a:effectRef idx="0">
+            <a:schemeClr val="accent1"/>
+          </a:effectRef>
+          <a:fontRef idx="minor">
+            <a:schemeClr val="lt1"/>
+          </a:fontRef>
+        </p:style>
+        <p:txBody>
+          <a:bodyPr rtlCol="0" anchor="ctr"/>
+          <a:lstStyle/>
+          <a:p>
+            <a:pPr algn="ctr"/>
+            <a:endParaRPr lang="zh-CN" altLang="en-US"/>
+          </a:p>
+        </p:txBody>
+      </p:sp>
+      <p:cxnSp>
+        <p:nvCxnSpPr>
+          <p:cNvPr id="6" name="直接连接符 5">
+            <a:extLst>
+              <a:ext uri="{FF2B5EF4-FFF2-40B4-BE49-F238E27FC236}">
+                <a16:creationId xmlns:a16="http://schemas.microsoft.com/office/drawing/2014/main" id="{10A82E96-EB48-4642-88AD-248DE9D462FC}"/>
+              </a:ext>
+            </a:extLst>
+          </p:cNvPr>
+          <p:cNvCxnSpPr>
+            <a:cxnSpLocks/>
+          </p:cNvCxnSpPr>
+          <p:nvPr/>
+        </p:nvCxnSpPr>
+        <p:spPr>
+          <a:xfrm flipH="1">
+            <a:off x="4128782" y="1830897"/>
+            <a:ext cx="3649211" cy="3649211"/>
+          </a:xfrm>
+          <a:prstGeom prst="line">
+            <a:avLst/>
+          </a:prstGeom>
+          <a:ln>
+            <a:prstDash val="lgDash"/>
+          </a:ln>
+        </p:spPr>
+        <p:style>
+          <a:lnRef idx="1">
+            <a:schemeClr val="accent1"/>
+          </a:lnRef>
+          <a:fillRef idx="0">
+            <a:schemeClr val="accent1"/>
+          </a:fillRef>
+          <a:effectRef idx="0">
+            <a:schemeClr val="accent1"/>
+          </a:effectRef>
+          <a:fontRef idx="minor">
+            <a:schemeClr val="tx1"/>
+          </a:fontRef>
+        </p:style>
+      </p:cxnSp>
+      <p:sp>
+        <p:nvSpPr>
+          <p:cNvPr id="7" name="文本框 6">
+            <a:extLst>
+              <a:ext uri="{FF2B5EF4-FFF2-40B4-BE49-F238E27FC236}">
+                <a16:creationId xmlns:a16="http://schemas.microsoft.com/office/drawing/2014/main" id="{D45BB366-6815-430B-B9EB-E4D0E5F2385F}"/>
+              </a:ext>
+            </a:extLst>
+          </p:cNvPr>
+          <p:cNvSpPr txBox="1"/>
+          <p:nvPr/>
+        </p:nvSpPr>
+        <p:spPr>
+          <a:xfrm>
+            <a:off x="5159003" y="5912406"/>
+            <a:ext cx="1588768" cy="369332"/>
+          </a:xfrm>
+          <a:prstGeom prst="rect">
+            <a:avLst/>
+          </a:prstGeom>
+          <a:noFill/>
+        </p:spPr>
+        <p:txBody>
+          <a:bodyPr wrap="none" rtlCol="0">
+            <a:spAutoFit/>
+          </a:bodyPr>
+          <a:lstStyle/>
+          <a:p>
+            <a:r>
+              <a:rPr lang="en-US" altLang="zh-CN" dirty="0"/>
+              <a:t>Predicted Value</a:t>
+            </a:r>
+          </a:p>
+        </p:txBody>
+      </p:sp>
+      <p:sp>
+        <p:nvSpPr>
+          <p:cNvPr id="8" name="文本框 7">
+            <a:extLst>
+              <a:ext uri="{FF2B5EF4-FFF2-40B4-BE49-F238E27FC236}">
+                <a16:creationId xmlns:a16="http://schemas.microsoft.com/office/drawing/2014/main" id="{F9900346-B599-49EC-A0D4-27320CF48467}"/>
+              </a:ext>
+            </a:extLst>
+          </p:cNvPr>
+          <p:cNvSpPr txBox="1"/>
+          <p:nvPr/>
+        </p:nvSpPr>
+        <p:spPr>
+          <a:xfrm rot="16200000">
+            <a:off x="2821651" y="3470836"/>
+            <a:ext cx="1167948" cy="369332"/>
+          </a:xfrm>
+          <a:prstGeom prst="rect">
+            <a:avLst/>
+          </a:prstGeom>
+          <a:noFill/>
+        </p:spPr>
+        <p:txBody>
+          <a:bodyPr wrap="none" rtlCol="0">
+            <a:spAutoFit/>
+          </a:bodyPr>
+          <a:lstStyle/>
+          <a:p>
+            <a:r>
+              <a:rPr lang="en-US" altLang="zh-CN" dirty="0"/>
+              <a:t>True Value</a:t>
+            </a:r>
+          </a:p>
+        </p:txBody>
+      </p:sp>
+      <p:cxnSp>
+        <p:nvCxnSpPr>
+          <p:cNvPr id="19" name="直接连接符 18">
+            <a:extLst>
+              <a:ext uri="{FF2B5EF4-FFF2-40B4-BE49-F238E27FC236}">
+                <a16:creationId xmlns:a16="http://schemas.microsoft.com/office/drawing/2014/main" id="{99F65E4B-4AAB-4D66-BBDB-9CED86F63FFE}"/>
+              </a:ext>
+            </a:extLst>
+          </p:cNvPr>
+          <p:cNvCxnSpPr>
+            <a:cxnSpLocks/>
+          </p:cNvCxnSpPr>
+          <p:nvPr/>
+        </p:nvCxnSpPr>
+        <p:spPr>
+          <a:xfrm>
+            <a:off x="4007907" y="1834348"/>
+            <a:ext cx="128019" cy="0"/>
+          </a:xfrm>
+          <a:prstGeom prst="line">
+            <a:avLst/>
+          </a:prstGeom>
+          <a:ln w="12700">
+            <a:solidFill>
+              <a:schemeClr val="tx1"/>
+            </a:solidFill>
+          </a:ln>
+        </p:spPr>
+        <p:style>
+          <a:lnRef idx="1">
+            <a:schemeClr val="accent1"/>
+          </a:lnRef>
+          <a:fillRef idx="0">
+            <a:schemeClr val="accent1"/>
+          </a:fillRef>
+          <a:effectRef idx="0">
+            <a:schemeClr val="accent1"/>
+          </a:effectRef>
+          <a:fontRef idx="minor">
+            <a:schemeClr val="tx1"/>
+          </a:fontRef>
+        </p:style>
+      </p:cxnSp>
+      <p:cxnSp>
+        <p:nvCxnSpPr>
+          <p:cNvPr id="20" name="直接连接符 19">
+            <a:extLst>
+              <a:ext uri="{FF2B5EF4-FFF2-40B4-BE49-F238E27FC236}">
+                <a16:creationId xmlns:a16="http://schemas.microsoft.com/office/drawing/2014/main" id="{521E587E-186E-4CE1-AAA0-7448D8A88FF8}"/>
+              </a:ext>
+            </a:extLst>
+          </p:cNvPr>
+          <p:cNvCxnSpPr>
+            <a:cxnSpLocks/>
+          </p:cNvCxnSpPr>
+          <p:nvPr/>
+        </p:nvCxnSpPr>
+        <p:spPr>
+          <a:xfrm>
+            <a:off x="4000763" y="5480108"/>
+            <a:ext cx="128019" cy="0"/>
+          </a:xfrm>
+          <a:prstGeom prst="line">
+            <a:avLst/>
+          </a:prstGeom>
+          <a:ln w="12700"/>
+        </p:spPr>
+        <p:style>
+          <a:lnRef idx="1">
+            <a:schemeClr val="accent1"/>
+          </a:lnRef>
+          <a:fillRef idx="0">
+            <a:schemeClr val="accent1"/>
+          </a:fillRef>
+          <a:effectRef idx="0">
+            <a:schemeClr val="accent1"/>
+          </a:effectRef>
+          <a:fontRef idx="minor">
+            <a:schemeClr val="tx1"/>
+          </a:fontRef>
+        </p:style>
+      </p:cxnSp>
+      <p:cxnSp>
+        <p:nvCxnSpPr>
+          <p:cNvPr id="26" name="直接连接符 25">
+            <a:extLst>
+              <a:ext uri="{FF2B5EF4-FFF2-40B4-BE49-F238E27FC236}">
+                <a16:creationId xmlns:a16="http://schemas.microsoft.com/office/drawing/2014/main" id="{F7944278-A580-4348-AB7F-A73407AEE10E}"/>
+              </a:ext>
+            </a:extLst>
+          </p:cNvPr>
+          <p:cNvCxnSpPr>
+            <a:cxnSpLocks/>
+          </p:cNvCxnSpPr>
+          <p:nvPr/>
+        </p:nvCxnSpPr>
+        <p:spPr>
+          <a:xfrm rot="5400000">
+            <a:off x="7713984" y="5540935"/>
+            <a:ext cx="128019" cy="0"/>
+          </a:xfrm>
+          <a:prstGeom prst="line">
+            <a:avLst/>
+          </a:prstGeom>
+          <a:ln w="12700"/>
+        </p:spPr>
+        <p:style>
+          <a:lnRef idx="1">
+            <a:schemeClr val="accent1"/>
+          </a:lnRef>
+          <a:fillRef idx="0">
+            <a:schemeClr val="accent1"/>
+          </a:fillRef>
+          <a:effectRef idx="0">
+            <a:schemeClr val="accent1"/>
+          </a:effectRef>
+          <a:fontRef idx="minor">
+            <a:schemeClr val="tx1"/>
+          </a:fontRef>
+        </p:style>
+      </p:cxnSp>
+      <p:cxnSp>
+        <p:nvCxnSpPr>
+          <p:cNvPr id="27" name="直接连接符 26">
+            <a:extLst>
+              <a:ext uri="{FF2B5EF4-FFF2-40B4-BE49-F238E27FC236}">
+                <a16:creationId xmlns:a16="http://schemas.microsoft.com/office/drawing/2014/main" id="{6C8F54D3-BF71-4501-979D-F1119CF8BAA9}"/>
+              </a:ext>
+            </a:extLst>
+          </p:cNvPr>
+          <p:cNvCxnSpPr>
+            <a:cxnSpLocks/>
+          </p:cNvCxnSpPr>
+          <p:nvPr/>
+        </p:nvCxnSpPr>
+        <p:spPr>
+          <a:xfrm rot="5400000">
+            <a:off x="4064773" y="5540935"/>
+            <a:ext cx="128019" cy="0"/>
+          </a:xfrm>
+          <a:prstGeom prst="line">
+            <a:avLst/>
+          </a:prstGeom>
+          <a:ln w="12700"/>
+        </p:spPr>
+        <p:style>
+          <a:lnRef idx="1">
+            <a:schemeClr val="accent1"/>
+          </a:lnRef>
+          <a:fillRef idx="0">
+            <a:schemeClr val="accent1"/>
+          </a:fillRef>
+          <a:effectRef idx="0">
+            <a:schemeClr val="accent1"/>
+          </a:effectRef>
+          <a:fontRef idx="minor">
+            <a:schemeClr val="tx1"/>
+          </a:fontRef>
+        </p:style>
+      </p:cxnSp>
+      <p:sp>
+        <p:nvSpPr>
+          <p:cNvPr id="41" name="文本框 40">
+            <a:extLst>
+              <a:ext uri="{FF2B5EF4-FFF2-40B4-BE49-F238E27FC236}">
+                <a16:creationId xmlns:a16="http://schemas.microsoft.com/office/drawing/2014/main" id="{437BB451-9758-44EA-A7A4-C12E7B21ABAF}"/>
+              </a:ext>
+            </a:extLst>
+          </p:cNvPr>
+          <p:cNvSpPr txBox="1"/>
+          <p:nvPr/>
+        </p:nvSpPr>
+        <p:spPr>
+          <a:xfrm>
+            <a:off x="3566393" y="5281604"/>
+            <a:ext cx="434370" cy="369332"/>
+          </a:xfrm>
+          <a:prstGeom prst="rect">
+            <a:avLst/>
+          </a:prstGeom>
+          <a:noFill/>
+        </p:spPr>
+        <p:txBody>
+          <a:bodyPr wrap="square" rtlCol="0">
+            <a:spAutoFit/>
+          </a:bodyPr>
+          <a:lstStyle/>
+          <a:p>
+            <a:pPr algn="ctr"/>
+            <a:r>
+              <a:rPr lang="en-US" altLang="zh-CN" dirty="0"/>
+              <a:t>0</a:t>
+            </a:r>
+          </a:p>
+        </p:txBody>
+      </p:sp>
+      <p:sp>
+        <p:nvSpPr>
+          <p:cNvPr id="42" name="文本框 41">
+            <a:extLst>
+              <a:ext uri="{FF2B5EF4-FFF2-40B4-BE49-F238E27FC236}">
+                <a16:creationId xmlns:a16="http://schemas.microsoft.com/office/drawing/2014/main" id="{014E25E8-3821-42F9-99D9-793CDDEA27C0}"/>
+              </a:ext>
+            </a:extLst>
+          </p:cNvPr>
+          <p:cNvSpPr txBox="1"/>
+          <p:nvPr/>
+        </p:nvSpPr>
+        <p:spPr>
+          <a:xfrm>
+            <a:off x="3566393" y="1640242"/>
+            <a:ext cx="434370" cy="369332"/>
+          </a:xfrm>
+          <a:prstGeom prst="rect">
+            <a:avLst/>
+          </a:prstGeom>
+          <a:noFill/>
+        </p:spPr>
+        <p:txBody>
+          <a:bodyPr wrap="square" rtlCol="0">
+            <a:spAutoFit/>
+          </a:bodyPr>
+          <a:lstStyle/>
+          <a:p>
+            <a:pPr algn="ctr"/>
+            <a:r>
+              <a:rPr lang="en-US" altLang="zh-CN" dirty="0"/>
+              <a:t>1</a:t>
+            </a:r>
+          </a:p>
+        </p:txBody>
+      </p:sp>
+      <p:sp>
+        <p:nvSpPr>
+          <p:cNvPr id="43" name="文本框 42">
+            <a:extLst>
+              <a:ext uri="{FF2B5EF4-FFF2-40B4-BE49-F238E27FC236}">
+                <a16:creationId xmlns:a16="http://schemas.microsoft.com/office/drawing/2014/main" id="{1DB041B8-882B-43E4-9364-F3885405DDE8}"/>
+              </a:ext>
+            </a:extLst>
+          </p:cNvPr>
+          <p:cNvSpPr txBox="1"/>
+          <p:nvPr/>
+        </p:nvSpPr>
+        <p:spPr>
+          <a:xfrm>
+            <a:off x="3911597" y="5650936"/>
+            <a:ext cx="434370" cy="369332"/>
+          </a:xfrm>
+          <a:prstGeom prst="rect">
+            <a:avLst/>
+          </a:prstGeom>
+          <a:noFill/>
+        </p:spPr>
+        <p:txBody>
+          <a:bodyPr wrap="square" rtlCol="0">
+            <a:spAutoFit/>
+          </a:bodyPr>
+          <a:lstStyle/>
+          <a:p>
+            <a:pPr algn="ctr"/>
+            <a:r>
+              <a:rPr lang="en-US" altLang="zh-CN" dirty="0"/>
+              <a:t>0</a:t>
+            </a:r>
+          </a:p>
+        </p:txBody>
+      </p:sp>
+      <p:sp>
+        <p:nvSpPr>
+          <p:cNvPr id="44" name="文本框 43">
+            <a:extLst>
+              <a:ext uri="{FF2B5EF4-FFF2-40B4-BE49-F238E27FC236}">
+                <a16:creationId xmlns:a16="http://schemas.microsoft.com/office/drawing/2014/main" id="{29672D3D-D266-4AE4-AAC9-E6DC3CC8C5F4}"/>
+              </a:ext>
+            </a:extLst>
+          </p:cNvPr>
+          <p:cNvSpPr txBox="1"/>
+          <p:nvPr/>
+        </p:nvSpPr>
+        <p:spPr>
+          <a:xfrm>
+            <a:off x="7560807" y="5650936"/>
+            <a:ext cx="434370" cy="369332"/>
+          </a:xfrm>
+          <a:prstGeom prst="rect">
+            <a:avLst/>
+          </a:prstGeom>
+          <a:noFill/>
+        </p:spPr>
+        <p:txBody>
+          <a:bodyPr wrap="square" rtlCol="0">
+            <a:spAutoFit/>
+          </a:bodyPr>
+          <a:lstStyle/>
+          <a:p>
+            <a:pPr algn="ctr"/>
+            <a:r>
+              <a:rPr lang="en-US" altLang="zh-CN" dirty="0"/>
+              <a:t>1</a:t>
+            </a:r>
+          </a:p>
+        </p:txBody>
+      </p:sp>
+      <p:cxnSp>
+        <p:nvCxnSpPr>
+          <p:cNvPr id="88" name="直接连接符 87">
+            <a:extLst>
+              <a:ext uri="{FF2B5EF4-FFF2-40B4-BE49-F238E27FC236}">
+                <a16:creationId xmlns:a16="http://schemas.microsoft.com/office/drawing/2014/main" id="{BFC72E6D-09B0-4CE0-9289-486F8D89208E}"/>
+              </a:ext>
+            </a:extLst>
+          </p:cNvPr>
+          <p:cNvCxnSpPr>
+            <a:cxnSpLocks/>
+          </p:cNvCxnSpPr>
+          <p:nvPr/>
+        </p:nvCxnSpPr>
+        <p:spPr>
+          <a:xfrm flipV="1">
+            <a:off x="5530574" y="3108117"/>
+            <a:ext cx="892597" cy="1092590"/>
+          </a:xfrm>
+          <a:prstGeom prst="line">
+            <a:avLst/>
+          </a:prstGeom>
+          <a:ln w="38100">
+            <a:solidFill>
+              <a:srgbClr val="C00000"/>
+            </a:solidFill>
+          </a:ln>
+        </p:spPr>
+        <p:style>
+          <a:lnRef idx="1">
+            <a:schemeClr val="accent1"/>
+          </a:lnRef>
+          <a:fillRef idx="0">
+            <a:schemeClr val="accent1"/>
+          </a:fillRef>
+          <a:effectRef idx="0">
+            <a:schemeClr val="accent1"/>
+          </a:effectRef>
+          <a:fontRef idx="minor">
+            <a:schemeClr val="tx1"/>
+          </a:fontRef>
+        </p:style>
+      </p:cxnSp>
+      <p:cxnSp>
+        <p:nvCxnSpPr>
+          <p:cNvPr id="128" name="直接连接符 127">
+            <a:extLst>
+              <a:ext uri="{FF2B5EF4-FFF2-40B4-BE49-F238E27FC236}">
+                <a16:creationId xmlns:a16="http://schemas.microsoft.com/office/drawing/2014/main" id="{BC904BBB-2031-49D8-B170-8A15204535FF}"/>
+              </a:ext>
+            </a:extLst>
+          </p:cNvPr>
+          <p:cNvCxnSpPr>
+            <a:cxnSpLocks/>
+          </p:cNvCxnSpPr>
+          <p:nvPr/>
+        </p:nvCxnSpPr>
+        <p:spPr>
+          <a:xfrm flipH="1">
+            <a:off x="4406919" y="4200707"/>
+            <a:ext cx="1123655" cy="899799"/>
+          </a:xfrm>
+          <a:prstGeom prst="line">
+            <a:avLst/>
+          </a:prstGeom>
+          <a:ln w="38100">
+            <a:solidFill>
+              <a:srgbClr val="C00000"/>
+            </a:solidFill>
+          </a:ln>
+        </p:spPr>
+        <p:style>
+          <a:lnRef idx="1">
+            <a:schemeClr val="accent1"/>
+          </a:lnRef>
+          <a:fillRef idx="0">
+            <a:schemeClr val="accent1"/>
+          </a:fillRef>
+          <a:effectRef idx="0">
+            <a:schemeClr val="accent1"/>
+          </a:effectRef>
+          <a:fontRef idx="minor">
+            <a:schemeClr val="tx1"/>
+          </a:fontRef>
+        </p:style>
+      </p:cxnSp>
+      <p:cxnSp>
+        <p:nvCxnSpPr>
+          <p:cNvPr id="132" name="直接连接符 131">
+            <a:extLst>
+              <a:ext uri="{FF2B5EF4-FFF2-40B4-BE49-F238E27FC236}">
+                <a16:creationId xmlns:a16="http://schemas.microsoft.com/office/drawing/2014/main" id="{CBE48889-03EF-402B-ADF2-4433E8977CBD}"/>
+              </a:ext>
+            </a:extLst>
+          </p:cNvPr>
+          <p:cNvCxnSpPr>
+            <a:cxnSpLocks/>
+          </p:cNvCxnSpPr>
+          <p:nvPr/>
+        </p:nvCxnSpPr>
+        <p:spPr>
+          <a:xfrm flipH="1">
+            <a:off x="6423171" y="1950851"/>
+            <a:ext cx="699130" cy="1157266"/>
+          </a:xfrm>
+          <a:prstGeom prst="line">
+            <a:avLst/>
+          </a:prstGeom>
+          <a:ln w="38100">
+            <a:solidFill>
+              <a:srgbClr val="C00000"/>
+            </a:solidFill>
+          </a:ln>
+        </p:spPr>
+        <p:style>
+          <a:lnRef idx="1">
+            <a:schemeClr val="accent1"/>
+          </a:lnRef>
+          <a:fillRef idx="0">
+            <a:schemeClr val="accent1"/>
+          </a:fillRef>
+          <a:effectRef idx="0">
+            <a:schemeClr val="accent1"/>
+          </a:effectRef>
+          <a:fontRef idx="minor">
+            <a:schemeClr val="tx1"/>
+          </a:fontRef>
+        </p:style>
+      </p:cxnSp>
+      <p:sp>
+        <p:nvSpPr>
+          <p:cNvPr id="9" name="椭圆 8">
+            <a:extLst>
+              <a:ext uri="{FF2B5EF4-FFF2-40B4-BE49-F238E27FC236}">
+                <a16:creationId xmlns:a16="http://schemas.microsoft.com/office/drawing/2014/main" id="{28B14F5A-3FD4-4CF6-9935-B72261AD097A}"/>
+              </a:ext>
+            </a:extLst>
+          </p:cNvPr>
+          <p:cNvSpPr/>
+          <p:nvPr/>
+        </p:nvSpPr>
+        <p:spPr>
+          <a:xfrm>
+            <a:off x="4353887" y="5041783"/>
+            <a:ext cx="117446" cy="117446"/>
+          </a:xfrm>
+          <a:prstGeom prst="ellipse">
+            <a:avLst/>
+          </a:prstGeom>
+          <a:solidFill>
+            <a:srgbClr val="FF0000"/>
+          </a:solidFill>
+        </p:spPr>
+        <p:style>
+          <a:lnRef idx="2">
+            <a:schemeClr val="accent1">
+              <a:shade val="50000"/>
+            </a:schemeClr>
+          </a:lnRef>
+          <a:fillRef idx="1">
+            <a:schemeClr val="accent1"/>
+          </a:fillRef>
+          <a:effectRef idx="0">
+            <a:schemeClr val="accent1"/>
+          </a:effectRef>
+          <a:fontRef idx="minor">
+            <a:schemeClr val="lt1"/>
+          </a:fontRef>
+        </p:style>
+        <p:txBody>
+          <a:bodyPr rtlCol="0" anchor="ctr"/>
+          <a:lstStyle/>
+          <a:p>
+            <a:pPr algn="ctr"/>
+            <a:endParaRPr lang="zh-CN" altLang="en-US" dirty="0"/>
+          </a:p>
+        </p:txBody>
+      </p:sp>
+      <p:sp>
+        <p:nvSpPr>
+          <p:cNvPr id="12" name="椭圆 11">
+            <a:extLst>
+              <a:ext uri="{FF2B5EF4-FFF2-40B4-BE49-F238E27FC236}">
+                <a16:creationId xmlns:a16="http://schemas.microsoft.com/office/drawing/2014/main" id="{E5AF2CAF-A145-4AD5-ADAB-4E7390F38A9A}"/>
+              </a:ext>
+            </a:extLst>
+          </p:cNvPr>
+          <p:cNvSpPr/>
+          <p:nvPr/>
+        </p:nvSpPr>
+        <p:spPr>
+          <a:xfrm>
+            <a:off x="5469623" y="4145168"/>
+            <a:ext cx="117446" cy="117446"/>
+          </a:xfrm>
+          <a:prstGeom prst="ellipse">
+            <a:avLst/>
+          </a:prstGeom>
+          <a:solidFill>
+            <a:srgbClr val="FF0000"/>
+          </a:solidFill>
+        </p:spPr>
+        <p:style>
+          <a:lnRef idx="2">
+            <a:schemeClr val="accent1">
+              <a:shade val="50000"/>
+            </a:schemeClr>
+          </a:lnRef>
+          <a:fillRef idx="1">
+            <a:schemeClr val="accent1"/>
+          </a:fillRef>
+          <a:effectRef idx="0">
+            <a:schemeClr val="accent1"/>
+          </a:effectRef>
+          <a:fontRef idx="minor">
+            <a:schemeClr val="lt1"/>
+          </a:fontRef>
+        </p:style>
+        <p:txBody>
+          <a:bodyPr rtlCol="0" anchor="ctr"/>
+          <a:lstStyle/>
+          <a:p>
+            <a:pPr algn="ctr"/>
+            <a:endParaRPr lang="zh-CN" altLang="en-US" dirty="0"/>
+          </a:p>
+        </p:txBody>
+      </p:sp>
+      <p:sp>
+        <p:nvSpPr>
+          <p:cNvPr id="15" name="椭圆 14">
+            <a:extLst>
+              <a:ext uri="{FF2B5EF4-FFF2-40B4-BE49-F238E27FC236}">
+                <a16:creationId xmlns:a16="http://schemas.microsoft.com/office/drawing/2014/main" id="{F52EAD8D-5CE2-4BD2-B517-C28835BB9CD3}"/>
+              </a:ext>
+            </a:extLst>
+          </p:cNvPr>
+          <p:cNvSpPr/>
+          <p:nvPr/>
+        </p:nvSpPr>
+        <p:spPr>
+          <a:xfrm>
+            <a:off x="6364448" y="3049394"/>
+            <a:ext cx="117446" cy="117446"/>
+          </a:xfrm>
+          <a:prstGeom prst="ellipse">
+            <a:avLst/>
+          </a:prstGeom>
+          <a:solidFill>
+            <a:srgbClr val="FF0000"/>
+          </a:solidFill>
+        </p:spPr>
+        <p:style>
+          <a:lnRef idx="2">
+            <a:schemeClr val="accent1">
+              <a:shade val="50000"/>
+            </a:schemeClr>
+          </a:lnRef>
+          <a:fillRef idx="1">
+            <a:schemeClr val="accent1"/>
+          </a:fillRef>
+          <a:effectRef idx="0">
+            <a:schemeClr val="accent1"/>
+          </a:effectRef>
+          <a:fontRef idx="minor">
+            <a:schemeClr val="lt1"/>
+          </a:fontRef>
+        </p:style>
+        <p:txBody>
+          <a:bodyPr rtlCol="0" anchor="ctr"/>
+          <a:lstStyle/>
+          <a:p>
+            <a:pPr algn="ctr"/>
+            <a:endParaRPr lang="zh-CN" altLang="en-US" dirty="0"/>
+          </a:p>
+        </p:txBody>
+      </p:sp>
+      <p:sp>
+        <p:nvSpPr>
+          <p:cNvPr id="17" name="椭圆 16">
+            <a:extLst>
+              <a:ext uri="{FF2B5EF4-FFF2-40B4-BE49-F238E27FC236}">
+                <a16:creationId xmlns:a16="http://schemas.microsoft.com/office/drawing/2014/main" id="{B3575673-4835-4D48-BD66-CA2B761E4604}"/>
+              </a:ext>
+            </a:extLst>
+          </p:cNvPr>
+          <p:cNvSpPr/>
+          <p:nvPr/>
+        </p:nvSpPr>
+        <p:spPr>
+          <a:xfrm>
+            <a:off x="7061350" y="1892128"/>
+            <a:ext cx="117446" cy="117446"/>
+          </a:xfrm>
+          <a:prstGeom prst="ellipse">
+            <a:avLst/>
+          </a:prstGeom>
+          <a:solidFill>
+            <a:srgbClr val="FF0000"/>
+          </a:solidFill>
+        </p:spPr>
+        <p:style>
+          <a:lnRef idx="2">
+            <a:schemeClr val="accent1">
+              <a:shade val="50000"/>
+            </a:schemeClr>
+          </a:lnRef>
+          <a:fillRef idx="1">
+            <a:schemeClr val="accent1"/>
+          </a:fillRef>
+          <a:effectRef idx="0">
+            <a:schemeClr val="accent1"/>
+          </a:effectRef>
+          <a:fontRef idx="minor">
+            <a:schemeClr val="lt1"/>
+          </a:fontRef>
+        </p:style>
+        <p:txBody>
+          <a:bodyPr rtlCol="0" anchor="ctr"/>
+          <a:lstStyle/>
+          <a:p>
+            <a:pPr algn="ctr"/>
+            <a:endParaRPr lang="zh-CN" altLang="en-US" dirty="0"/>
+          </a:p>
+        </p:txBody>
+      </p:sp>
+    </p:spTree>
+    <p:extLst>
+      <p:ext uri="{BB962C8B-B14F-4D97-AF65-F5344CB8AC3E}">
+        <p14:creationId xmlns:p14="http://schemas.microsoft.com/office/powerpoint/2010/main" val="3340463755"/>
+      </p:ext>
+    </p:extLst>
+  </p:cSld>
+  <p:clrMapOvr>
+    <a:masterClrMapping/>
+  </p:clrMapOvr>
+</p:sld>
+</file>
+
+<file path=ppt/slides/slide6.xml><?xml version="1.0" encoding="utf-8"?>
 <p:sld xmlns:a="http://schemas.openxmlformats.org/drawingml/2006/main" xmlns:r="http://schemas.openxmlformats.org/officeDocument/2006/relationships" xmlns:p="http://schemas.openxmlformats.org/presentationml/2006/main">
   <p:cSld>
     <p:spTree>
@@ -12720,7 +14189,680 @@
 </p:sld>
 </file>
 
-<file path=ppt/slides/slide5.xml><?xml version="1.0" encoding="utf-8"?>
+<file path=ppt/slides/slide7.xml><?xml version="1.0" encoding="utf-8"?>
+<p:sld xmlns:a="http://schemas.openxmlformats.org/drawingml/2006/main" xmlns:r="http://schemas.openxmlformats.org/officeDocument/2006/relationships" xmlns:p="http://schemas.openxmlformats.org/presentationml/2006/main">
+  <p:cSld>
+    <p:spTree>
+      <p:nvGrpSpPr>
+        <p:cNvPr id="1" name=""/>
+        <p:cNvGrpSpPr/>
+        <p:nvPr/>
+      </p:nvGrpSpPr>
+      <p:grpSpPr>
+        <a:xfrm>
+          <a:off x="0" y="0"/>
+          <a:ext cx="0" cy="0"/>
+          <a:chOff x="0" y="0"/>
+          <a:chExt cx="0" cy="0"/>
+        </a:xfrm>
+      </p:grpSpPr>
+      <p:sp>
+        <p:nvSpPr>
+          <p:cNvPr id="2" name="标题 1">
+            <a:extLst>
+              <a:ext uri="{FF2B5EF4-FFF2-40B4-BE49-F238E27FC236}">
+                <a16:creationId xmlns:a16="http://schemas.microsoft.com/office/drawing/2014/main" id="{0C68CEB5-2572-4804-A18C-227225DF17AC}"/>
+              </a:ext>
+            </a:extLst>
+          </p:cNvPr>
+          <p:cNvSpPr>
+            <a:spLocks noGrp="1"/>
+          </p:cNvSpPr>
+          <p:nvPr>
+            <p:ph type="title"/>
+          </p:nvPr>
+        </p:nvSpPr>
+        <p:spPr/>
+        <p:txBody>
+          <a:bodyPr/>
+          <a:lstStyle/>
+          <a:p>
+            <a:r>
+              <a:rPr lang="en-US" altLang="zh-CN" dirty="0"/>
+              <a:t>Decision curve</a:t>
+            </a:r>
+            <a:endParaRPr lang="zh-CN" altLang="en-US" dirty="0"/>
+          </a:p>
+        </p:txBody>
+      </p:sp>
+      <p:sp>
+        <p:nvSpPr>
+          <p:cNvPr id="4" name="矩形 3">
+            <a:extLst>
+              <a:ext uri="{FF2B5EF4-FFF2-40B4-BE49-F238E27FC236}">
+                <a16:creationId xmlns:a16="http://schemas.microsoft.com/office/drawing/2014/main" id="{ED2CFC08-A682-4D73-90C6-73A42CD06AAD}"/>
+              </a:ext>
+            </a:extLst>
+          </p:cNvPr>
+          <p:cNvSpPr/>
+          <p:nvPr/>
+        </p:nvSpPr>
+        <p:spPr>
+          <a:xfrm>
+            <a:off x="3757481" y="1939954"/>
+            <a:ext cx="5343787" cy="2978092"/>
+          </a:xfrm>
+          <a:prstGeom prst="rect">
+            <a:avLst/>
+          </a:prstGeom>
+          <a:noFill/>
+        </p:spPr>
+        <p:style>
+          <a:lnRef idx="2">
+            <a:schemeClr val="accent1">
+              <a:shade val="50000"/>
+            </a:schemeClr>
+          </a:lnRef>
+          <a:fillRef idx="1">
+            <a:schemeClr val="accent1"/>
+          </a:fillRef>
+          <a:effectRef idx="0">
+            <a:schemeClr val="accent1"/>
+          </a:effectRef>
+          <a:fontRef idx="minor">
+            <a:schemeClr val="lt1"/>
+          </a:fontRef>
+        </p:style>
+        <p:txBody>
+          <a:bodyPr rtlCol="0" anchor="ctr"/>
+          <a:lstStyle/>
+          <a:p>
+            <a:pPr algn="ctr"/>
+            <a:endParaRPr lang="zh-CN" altLang="en-US"/>
+          </a:p>
+        </p:txBody>
+      </p:sp>
+      <p:sp>
+        <p:nvSpPr>
+          <p:cNvPr id="5" name="文本框 4">
+            <a:extLst>
+              <a:ext uri="{FF2B5EF4-FFF2-40B4-BE49-F238E27FC236}">
+                <a16:creationId xmlns:a16="http://schemas.microsoft.com/office/drawing/2014/main" id="{2BC57609-C2BC-4676-A32B-8D44BED5A6E7}"/>
+              </a:ext>
+            </a:extLst>
+          </p:cNvPr>
+          <p:cNvSpPr txBox="1"/>
+          <p:nvPr/>
+        </p:nvSpPr>
+        <p:spPr>
+          <a:xfrm>
+            <a:off x="3323111" y="4462127"/>
+            <a:ext cx="434370" cy="369332"/>
+          </a:xfrm>
+          <a:prstGeom prst="rect">
+            <a:avLst/>
+          </a:prstGeom>
+          <a:noFill/>
+        </p:spPr>
+        <p:txBody>
+          <a:bodyPr wrap="square" rtlCol="0">
+            <a:spAutoFit/>
+          </a:bodyPr>
+          <a:lstStyle/>
+          <a:p>
+            <a:pPr algn="ctr"/>
+            <a:r>
+              <a:rPr lang="en-US" altLang="zh-CN" dirty="0"/>
+              <a:t>0</a:t>
+            </a:r>
+          </a:p>
+        </p:txBody>
+      </p:sp>
+      <p:sp>
+        <p:nvSpPr>
+          <p:cNvPr id="6" name="文本框 5">
+            <a:extLst>
+              <a:ext uri="{FF2B5EF4-FFF2-40B4-BE49-F238E27FC236}">
+                <a16:creationId xmlns:a16="http://schemas.microsoft.com/office/drawing/2014/main" id="{6FF40CA1-48A4-4AF8-9F83-F30A7786D883}"/>
+              </a:ext>
+            </a:extLst>
+          </p:cNvPr>
+          <p:cNvSpPr txBox="1"/>
+          <p:nvPr/>
+        </p:nvSpPr>
+        <p:spPr>
+          <a:xfrm>
+            <a:off x="2962275" y="1755288"/>
+            <a:ext cx="795206" cy="369332"/>
+          </a:xfrm>
+          <a:prstGeom prst="rect">
+            <a:avLst/>
+          </a:prstGeom>
+          <a:noFill/>
+        </p:spPr>
+        <p:txBody>
+          <a:bodyPr wrap="square" rtlCol="0">
+            <a:spAutoFit/>
+          </a:bodyPr>
+          <a:lstStyle/>
+          <a:p>
+            <a:pPr algn="ctr"/>
+            <a:r>
+              <a:rPr lang="en-US" altLang="zh-CN" dirty="0"/>
+              <a:t>0.2</a:t>
+            </a:r>
+          </a:p>
+        </p:txBody>
+      </p:sp>
+      <p:sp>
+        <p:nvSpPr>
+          <p:cNvPr id="7" name="文本框 6">
+            <a:extLst>
+              <a:ext uri="{FF2B5EF4-FFF2-40B4-BE49-F238E27FC236}">
+                <a16:creationId xmlns:a16="http://schemas.microsoft.com/office/drawing/2014/main" id="{3A02C87A-6E48-4D1F-A3BB-B949458D90D5}"/>
+              </a:ext>
+            </a:extLst>
+          </p:cNvPr>
+          <p:cNvSpPr txBox="1"/>
+          <p:nvPr/>
+        </p:nvSpPr>
+        <p:spPr>
+          <a:xfrm>
+            <a:off x="8791575" y="5019130"/>
+            <a:ext cx="526878" cy="369332"/>
+          </a:xfrm>
+          <a:prstGeom prst="rect">
+            <a:avLst/>
+          </a:prstGeom>
+          <a:noFill/>
+        </p:spPr>
+        <p:txBody>
+          <a:bodyPr wrap="square" rtlCol="0">
+            <a:spAutoFit/>
+          </a:bodyPr>
+          <a:lstStyle/>
+          <a:p>
+            <a:pPr algn="ctr"/>
+            <a:r>
+              <a:rPr lang="en-US" altLang="zh-CN" dirty="0"/>
+              <a:t>0.3</a:t>
+            </a:r>
+          </a:p>
+        </p:txBody>
+      </p:sp>
+      <p:cxnSp>
+        <p:nvCxnSpPr>
+          <p:cNvPr id="8" name="直接连接符 7">
+            <a:extLst>
+              <a:ext uri="{FF2B5EF4-FFF2-40B4-BE49-F238E27FC236}">
+                <a16:creationId xmlns:a16="http://schemas.microsoft.com/office/drawing/2014/main" id="{A47F8F58-472D-446B-A42F-E3CC342B0633}"/>
+              </a:ext>
+            </a:extLst>
+          </p:cNvPr>
+          <p:cNvCxnSpPr/>
+          <p:nvPr/>
+        </p:nvCxnSpPr>
+        <p:spPr>
+          <a:xfrm>
+            <a:off x="3757481" y="4693641"/>
+            <a:ext cx="5343787" cy="0"/>
+          </a:xfrm>
+          <a:prstGeom prst="line">
+            <a:avLst/>
+          </a:prstGeom>
+          <a:ln>
+            <a:prstDash val="lgDash"/>
+          </a:ln>
+        </p:spPr>
+        <p:style>
+          <a:lnRef idx="1">
+            <a:schemeClr val="accent1"/>
+          </a:lnRef>
+          <a:fillRef idx="0">
+            <a:schemeClr val="accent1"/>
+          </a:fillRef>
+          <a:effectRef idx="0">
+            <a:schemeClr val="accent1"/>
+          </a:effectRef>
+          <a:fontRef idx="minor">
+            <a:schemeClr val="tx1"/>
+          </a:fontRef>
+        </p:style>
+      </p:cxnSp>
+      <p:sp>
+        <p:nvSpPr>
+          <p:cNvPr id="13" name="任意多边形: 形状 12">
+            <a:extLst>
+              <a:ext uri="{FF2B5EF4-FFF2-40B4-BE49-F238E27FC236}">
+                <a16:creationId xmlns:a16="http://schemas.microsoft.com/office/drawing/2014/main" id="{74471D8A-12EF-4186-B5B9-A95F63616BFB}"/>
+              </a:ext>
+            </a:extLst>
+          </p:cNvPr>
+          <p:cNvSpPr/>
+          <p:nvPr/>
+        </p:nvSpPr>
+        <p:spPr>
+          <a:xfrm>
+            <a:off x="3752850" y="2413059"/>
+            <a:ext cx="5362575" cy="2295525"/>
+          </a:xfrm>
+          <a:custGeom>
+            <a:avLst/>
+            <a:gdLst>
+              <a:gd name="connsiteX0" fmla="*/ 0 w 5362575"/>
+              <a:gd name="connsiteY0" fmla="*/ 0 h 2295525"/>
+              <a:gd name="connsiteX1" fmla="*/ 1981200 w 5362575"/>
+              <a:gd name="connsiteY1" fmla="*/ 371475 h 2295525"/>
+              <a:gd name="connsiteX2" fmla="*/ 4400550 w 5362575"/>
+              <a:gd name="connsiteY2" fmla="*/ 1466850 h 2295525"/>
+              <a:gd name="connsiteX3" fmla="*/ 5362575 w 5362575"/>
+              <a:gd name="connsiteY3" fmla="*/ 2295525 h 2295525"/>
+              <a:gd name="connsiteX4" fmla="*/ 5362575 w 5362575"/>
+              <a:gd name="connsiteY4" fmla="*/ 2295525 h 2295525"/>
+            </a:gdLst>
+            <a:ahLst/>
+            <a:cxnLst>
+              <a:cxn ang="0">
+                <a:pos x="connsiteX0" y="connsiteY0"/>
+              </a:cxn>
+              <a:cxn ang="0">
+                <a:pos x="connsiteX1" y="connsiteY1"/>
+              </a:cxn>
+              <a:cxn ang="0">
+                <a:pos x="connsiteX2" y="connsiteY2"/>
+              </a:cxn>
+              <a:cxn ang="0">
+                <a:pos x="connsiteX3" y="connsiteY3"/>
+              </a:cxn>
+              <a:cxn ang="0">
+                <a:pos x="connsiteX4" y="connsiteY4"/>
+              </a:cxn>
+            </a:cxnLst>
+            <a:rect l="l" t="t" r="r" b="b"/>
+            <a:pathLst>
+              <a:path w="5362575" h="2295525">
+                <a:moveTo>
+                  <a:pt x="0" y="0"/>
+                </a:moveTo>
+                <a:cubicBezTo>
+                  <a:pt x="623887" y="63500"/>
+                  <a:pt x="1247775" y="127000"/>
+                  <a:pt x="1981200" y="371475"/>
+                </a:cubicBezTo>
+                <a:cubicBezTo>
+                  <a:pt x="2714625" y="615950"/>
+                  <a:pt x="3836988" y="1146175"/>
+                  <a:pt x="4400550" y="1466850"/>
+                </a:cubicBezTo>
+                <a:cubicBezTo>
+                  <a:pt x="4964112" y="1787525"/>
+                  <a:pt x="5362575" y="2295525"/>
+                  <a:pt x="5362575" y="2295525"/>
+                </a:cubicBezTo>
+                <a:lnTo>
+                  <a:pt x="5362575" y="2295525"/>
+                </a:lnTo>
+              </a:path>
+            </a:pathLst>
+          </a:custGeom>
+          <a:noFill/>
+        </p:spPr>
+        <p:style>
+          <a:lnRef idx="2">
+            <a:schemeClr val="accent1">
+              <a:shade val="50000"/>
+            </a:schemeClr>
+          </a:lnRef>
+          <a:fillRef idx="1">
+            <a:schemeClr val="accent1"/>
+          </a:fillRef>
+          <a:effectRef idx="0">
+            <a:schemeClr val="accent1"/>
+          </a:effectRef>
+          <a:fontRef idx="minor">
+            <a:schemeClr val="lt1"/>
+          </a:fontRef>
+        </p:style>
+        <p:txBody>
+          <a:bodyPr rtlCol="0" anchor="ctr"/>
+          <a:lstStyle/>
+          <a:p>
+            <a:pPr algn="ctr"/>
+            <a:endParaRPr lang="zh-CN" altLang="en-US"/>
+          </a:p>
+        </p:txBody>
+      </p:sp>
+      <p:sp>
+        <p:nvSpPr>
+          <p:cNvPr id="16" name="文本框 15">
+            <a:extLst>
+              <a:ext uri="{FF2B5EF4-FFF2-40B4-BE49-F238E27FC236}">
+                <a16:creationId xmlns:a16="http://schemas.microsoft.com/office/drawing/2014/main" id="{8F5E9051-662E-46D4-9B98-F48646FAAC26}"/>
+              </a:ext>
+            </a:extLst>
+          </p:cNvPr>
+          <p:cNvSpPr txBox="1"/>
+          <p:nvPr/>
+        </p:nvSpPr>
+        <p:spPr>
+          <a:xfrm>
+            <a:off x="3540298" y="5019130"/>
+            <a:ext cx="434370" cy="369332"/>
+          </a:xfrm>
+          <a:prstGeom prst="rect">
+            <a:avLst/>
+          </a:prstGeom>
+          <a:noFill/>
+        </p:spPr>
+        <p:txBody>
+          <a:bodyPr wrap="square" rtlCol="0">
+            <a:spAutoFit/>
+          </a:bodyPr>
+          <a:lstStyle/>
+          <a:p>
+            <a:pPr algn="ctr"/>
+            <a:r>
+              <a:rPr lang="en-US" altLang="zh-CN" dirty="0"/>
+              <a:t>0</a:t>
+            </a:r>
+          </a:p>
+        </p:txBody>
+      </p:sp>
+      <p:sp>
+        <p:nvSpPr>
+          <p:cNvPr id="17" name="任意多边形: 形状 16">
+            <a:extLst>
+              <a:ext uri="{FF2B5EF4-FFF2-40B4-BE49-F238E27FC236}">
+                <a16:creationId xmlns:a16="http://schemas.microsoft.com/office/drawing/2014/main" id="{D406A584-B173-48A0-8718-7F82C7AEC6BF}"/>
+              </a:ext>
+            </a:extLst>
+          </p:cNvPr>
+          <p:cNvSpPr/>
+          <p:nvPr/>
+        </p:nvSpPr>
+        <p:spPr>
+          <a:xfrm>
+            <a:off x="3762113" y="2413059"/>
+            <a:ext cx="1362337" cy="2504985"/>
+          </a:xfrm>
+          <a:custGeom>
+            <a:avLst/>
+            <a:gdLst>
+              <a:gd name="connsiteX0" fmla="*/ 0 w 5362575"/>
+              <a:gd name="connsiteY0" fmla="*/ 0 h 2295525"/>
+              <a:gd name="connsiteX1" fmla="*/ 1981200 w 5362575"/>
+              <a:gd name="connsiteY1" fmla="*/ 371475 h 2295525"/>
+              <a:gd name="connsiteX2" fmla="*/ 4400550 w 5362575"/>
+              <a:gd name="connsiteY2" fmla="*/ 1466850 h 2295525"/>
+              <a:gd name="connsiteX3" fmla="*/ 5362575 w 5362575"/>
+              <a:gd name="connsiteY3" fmla="*/ 2295525 h 2295525"/>
+              <a:gd name="connsiteX4" fmla="*/ 5362575 w 5362575"/>
+              <a:gd name="connsiteY4" fmla="*/ 2295525 h 2295525"/>
+            </a:gdLst>
+            <a:ahLst/>
+            <a:cxnLst>
+              <a:cxn ang="0">
+                <a:pos x="connsiteX0" y="connsiteY0"/>
+              </a:cxn>
+              <a:cxn ang="0">
+                <a:pos x="connsiteX1" y="connsiteY1"/>
+              </a:cxn>
+              <a:cxn ang="0">
+                <a:pos x="connsiteX2" y="connsiteY2"/>
+              </a:cxn>
+              <a:cxn ang="0">
+                <a:pos x="connsiteX3" y="connsiteY3"/>
+              </a:cxn>
+              <a:cxn ang="0">
+                <a:pos x="connsiteX4" y="connsiteY4"/>
+              </a:cxn>
+            </a:cxnLst>
+            <a:rect l="l" t="t" r="r" b="b"/>
+            <a:pathLst>
+              <a:path w="5362575" h="2295525">
+                <a:moveTo>
+                  <a:pt x="0" y="0"/>
+                </a:moveTo>
+                <a:cubicBezTo>
+                  <a:pt x="623887" y="63500"/>
+                  <a:pt x="1247775" y="127000"/>
+                  <a:pt x="1981200" y="371475"/>
+                </a:cubicBezTo>
+                <a:cubicBezTo>
+                  <a:pt x="2714625" y="615950"/>
+                  <a:pt x="3836988" y="1146175"/>
+                  <a:pt x="4400550" y="1466850"/>
+                </a:cubicBezTo>
+                <a:cubicBezTo>
+                  <a:pt x="4964112" y="1787525"/>
+                  <a:pt x="5362575" y="2295525"/>
+                  <a:pt x="5362575" y="2295525"/>
+                </a:cubicBezTo>
+                <a:lnTo>
+                  <a:pt x="5362575" y="2295525"/>
+                </a:lnTo>
+              </a:path>
+            </a:pathLst>
+          </a:custGeom>
+          <a:ln>
+            <a:prstDash val="lgDash"/>
+          </a:ln>
+        </p:spPr>
+        <p:style>
+          <a:lnRef idx="1">
+            <a:schemeClr val="accent1"/>
+          </a:lnRef>
+          <a:fillRef idx="0">
+            <a:schemeClr val="accent1"/>
+          </a:fillRef>
+          <a:effectRef idx="0">
+            <a:schemeClr val="accent1"/>
+          </a:effectRef>
+          <a:fontRef idx="minor">
+            <a:schemeClr val="tx1"/>
+          </a:fontRef>
+        </p:style>
+        <p:txBody>
+          <a:bodyPr rtlCol="0" anchor="ctr"/>
+          <a:lstStyle/>
+          <a:p>
+            <a:pPr algn="ctr"/>
+            <a:endParaRPr lang="zh-CN" altLang="en-US"/>
+          </a:p>
+        </p:txBody>
+      </p:sp>
+      <p:sp>
+        <p:nvSpPr>
+          <p:cNvPr id="18" name="文本框 17">
+            <a:extLst>
+              <a:ext uri="{FF2B5EF4-FFF2-40B4-BE49-F238E27FC236}">
+                <a16:creationId xmlns:a16="http://schemas.microsoft.com/office/drawing/2014/main" id="{81DD56F7-CF76-4B20-BF3C-DF163EAD0F29}"/>
+              </a:ext>
+            </a:extLst>
+          </p:cNvPr>
+          <p:cNvSpPr txBox="1"/>
+          <p:nvPr/>
+        </p:nvSpPr>
+        <p:spPr>
+          <a:xfrm>
+            <a:off x="5634990" y="5203796"/>
+            <a:ext cx="2140586" cy="369332"/>
+          </a:xfrm>
+          <a:prstGeom prst="rect">
+            <a:avLst/>
+          </a:prstGeom>
+          <a:noFill/>
+        </p:spPr>
+        <p:txBody>
+          <a:bodyPr wrap="none" rtlCol="0">
+            <a:spAutoFit/>
+          </a:bodyPr>
+          <a:lstStyle/>
+          <a:p>
+            <a:r>
+              <a:rPr lang="en-US" altLang="zh-CN" dirty="0"/>
+              <a:t>Threshold Probability</a:t>
+            </a:r>
+          </a:p>
+        </p:txBody>
+      </p:sp>
+      <p:sp>
+        <p:nvSpPr>
+          <p:cNvPr id="19" name="文本框 18">
+            <a:extLst>
+              <a:ext uri="{FF2B5EF4-FFF2-40B4-BE49-F238E27FC236}">
+                <a16:creationId xmlns:a16="http://schemas.microsoft.com/office/drawing/2014/main" id="{BDB7C136-D38C-4D17-8E7A-F187DA2E29E0}"/>
+              </a:ext>
+            </a:extLst>
+          </p:cNvPr>
+          <p:cNvSpPr txBox="1"/>
+          <p:nvPr/>
+        </p:nvSpPr>
+        <p:spPr>
+          <a:xfrm rot="16200000">
+            <a:off x="2347363" y="3108707"/>
+            <a:ext cx="1229824" cy="369332"/>
+          </a:xfrm>
+          <a:prstGeom prst="rect">
+            <a:avLst/>
+          </a:prstGeom>
+          <a:noFill/>
+        </p:spPr>
+        <p:txBody>
+          <a:bodyPr wrap="none" rtlCol="0">
+            <a:spAutoFit/>
+          </a:bodyPr>
+          <a:lstStyle/>
+          <a:p>
+            <a:r>
+              <a:rPr lang="en-US" altLang="zh-CN" dirty="0"/>
+              <a:t>Net Benefit</a:t>
+            </a:r>
+          </a:p>
+        </p:txBody>
+      </p:sp>
+      <p:sp>
+        <p:nvSpPr>
+          <p:cNvPr id="20" name="文本框 19">
+            <a:extLst>
+              <a:ext uri="{FF2B5EF4-FFF2-40B4-BE49-F238E27FC236}">
+                <a16:creationId xmlns:a16="http://schemas.microsoft.com/office/drawing/2014/main" id="{81DA1247-3E92-4791-A672-E29D580A11C8}"/>
+              </a:ext>
+            </a:extLst>
+          </p:cNvPr>
+          <p:cNvSpPr txBox="1"/>
+          <p:nvPr/>
+        </p:nvSpPr>
+        <p:spPr>
+          <a:xfrm>
+            <a:off x="4690757" y="3401716"/>
+            <a:ext cx="1888466" cy="369332"/>
+          </a:xfrm>
+          <a:prstGeom prst="rect">
+            <a:avLst/>
+          </a:prstGeom>
+          <a:noFill/>
+        </p:spPr>
+        <p:txBody>
+          <a:bodyPr wrap="none" rtlCol="0">
+            <a:spAutoFit/>
+          </a:bodyPr>
+          <a:lstStyle/>
+          <a:p>
+            <a:r>
+              <a:rPr lang="en-US" altLang="zh-CN" dirty="0"/>
+              <a:t>Intervention for all</a:t>
+            </a:r>
+            <a:endParaRPr lang="zh-CN" altLang="en-US" dirty="0"/>
+          </a:p>
+        </p:txBody>
+      </p:sp>
+      <p:sp>
+        <p:nvSpPr>
+          <p:cNvPr id="21" name="文本框 20">
+            <a:extLst>
+              <a:ext uri="{FF2B5EF4-FFF2-40B4-BE49-F238E27FC236}">
+                <a16:creationId xmlns:a16="http://schemas.microsoft.com/office/drawing/2014/main" id="{091AB54D-9310-4D22-A4BB-0F275F3E9F87}"/>
+              </a:ext>
+            </a:extLst>
+          </p:cNvPr>
+          <p:cNvSpPr txBox="1"/>
+          <p:nvPr/>
+        </p:nvSpPr>
+        <p:spPr>
+          <a:xfrm>
+            <a:off x="5845836" y="4310698"/>
+            <a:ext cx="2135328" cy="369332"/>
+          </a:xfrm>
+          <a:prstGeom prst="rect">
+            <a:avLst/>
+          </a:prstGeom>
+          <a:noFill/>
+        </p:spPr>
+        <p:txBody>
+          <a:bodyPr wrap="none" rtlCol="0">
+            <a:spAutoFit/>
+          </a:bodyPr>
+          <a:lstStyle/>
+          <a:p>
+            <a:r>
+              <a:rPr lang="en-US" altLang="zh-CN" dirty="0"/>
+              <a:t>Intervention for none</a:t>
+            </a:r>
+            <a:endParaRPr lang="zh-CN" altLang="en-US" dirty="0"/>
+          </a:p>
+        </p:txBody>
+      </p:sp>
+      <p:sp>
+        <p:nvSpPr>
+          <p:cNvPr id="22" name="文本框 21">
+            <a:extLst>
+              <a:ext uri="{FF2B5EF4-FFF2-40B4-BE49-F238E27FC236}">
+                <a16:creationId xmlns:a16="http://schemas.microsoft.com/office/drawing/2014/main" id="{3B85D599-D219-484B-B920-EC42617F3835}"/>
+              </a:ext>
+            </a:extLst>
+          </p:cNvPr>
+          <p:cNvSpPr txBox="1"/>
+          <p:nvPr/>
+        </p:nvSpPr>
+        <p:spPr>
+          <a:xfrm>
+            <a:off x="6332798" y="2677400"/>
+            <a:ext cx="1312988" cy="369332"/>
+          </a:xfrm>
+          <a:prstGeom prst="rect">
+            <a:avLst/>
+          </a:prstGeom>
+          <a:noFill/>
+        </p:spPr>
+        <p:txBody>
+          <a:bodyPr wrap="none" rtlCol="0">
+            <a:spAutoFit/>
+          </a:bodyPr>
+          <a:lstStyle/>
+          <a:p>
+            <a:r>
+              <a:rPr lang="en-US" altLang="zh-CN" dirty="0"/>
+              <a:t>Model curve</a:t>
+            </a:r>
+            <a:endParaRPr lang="zh-CN" altLang="en-US" dirty="0"/>
+          </a:p>
+        </p:txBody>
+      </p:sp>
+    </p:spTree>
+    <p:extLst>
+      <p:ext uri="{BB962C8B-B14F-4D97-AF65-F5344CB8AC3E}">
+        <p14:creationId xmlns:p14="http://schemas.microsoft.com/office/powerpoint/2010/main" val="2285510989"/>
+      </p:ext>
+    </p:extLst>
+  </p:cSld>
+  <p:clrMapOvr>
+    <a:masterClrMapping/>
+  </p:clrMapOvr>
+</p:sld>
+</file>
+
+<file path=ppt/slides/slide8.xml><?xml version="1.0" encoding="utf-8"?>
 <p:sld xmlns:a="http://schemas.openxmlformats.org/drawingml/2006/main" xmlns:r="http://schemas.openxmlformats.org/officeDocument/2006/relationships" xmlns:p="http://schemas.openxmlformats.org/presentationml/2006/main">
   <p:cSld>
     <p:spTree>

--- a/assets/PlotsInMedicalStat/Images.pptx
+++ b/assets/PlotsInMedicalStat/Images.pptx
@@ -13,6 +13,7 @@
     <p:sldId id="260" r:id="rId7"/>
     <p:sldId id="264" r:id="rId8"/>
     <p:sldId id="261" r:id="rId9"/>
+    <p:sldId id="265" r:id="rId10"/>
   </p:sldIdLst>
   <p:sldSz cx="12192000" cy="6858000"/>
   <p:notesSz cx="6858000" cy="9144000"/>
@@ -429,7 +430,7 @@
           <a:p>
             <a:fld id="{4F10BDDF-9621-481F-A0F1-009C5E0FFAEB}" type="datetimeFigureOut">
               <a:rPr lang="zh-CN" altLang="en-US" smtClean="0"/>
-              <a:t>2021/12/28</a:t>
+              <a:t>2021/12/30</a:t>
             </a:fld>
             <a:endParaRPr lang="zh-CN" altLang="en-US"/>
           </a:p>
@@ -587,7 +588,7 @@
           <a:p>
             <a:fld id="{4F10BDDF-9621-481F-A0F1-009C5E0FFAEB}" type="datetimeFigureOut">
               <a:rPr lang="zh-CN" altLang="en-US" smtClean="0"/>
-              <a:t>2021/12/28</a:t>
+              <a:t>2021/12/30</a:t>
             </a:fld>
             <a:endParaRPr lang="zh-CN" altLang="en-US"/>
           </a:p>
@@ -1007,7 +1008,7 @@
           <a:p>
             <a:fld id="{4F10BDDF-9621-481F-A0F1-009C5E0FFAEB}" type="datetimeFigureOut">
               <a:rPr lang="zh-CN" altLang="en-US" smtClean="0"/>
-              <a:t>2021/12/28</a:t>
+              <a:t>2021/12/30</a:t>
             </a:fld>
             <a:endParaRPr lang="zh-CN" altLang="en-US"/>
           </a:p>
@@ -1359,7 +1360,7 @@
           <a:p>
             <a:fld id="{4F10BDDF-9621-481F-A0F1-009C5E0FFAEB}" type="datetimeFigureOut">
               <a:rPr lang="zh-CN" altLang="en-US" smtClean="0"/>
-              <a:t>2021/12/28</a:t>
+              <a:t>2021/12/30</a:t>
             </a:fld>
             <a:endParaRPr lang="zh-CN" altLang="en-US"/>
           </a:p>
@@ -1735,7 +1736,7 @@
           <a:p>
             <a:fld id="{4F10BDDF-9621-481F-A0F1-009C5E0FFAEB}" type="datetimeFigureOut">
               <a:rPr lang="zh-CN" altLang="en-US" smtClean="0"/>
-              <a:t>2021/12/28</a:t>
+              <a:t>2021/12/30</a:t>
             </a:fld>
             <a:endParaRPr lang="zh-CN" altLang="en-US"/>
           </a:p>
@@ -1869,7 +1870,7 @@
           <a:p>
             <a:fld id="{4F10BDDF-9621-481F-A0F1-009C5E0FFAEB}" type="datetimeFigureOut">
               <a:rPr lang="zh-CN" altLang="en-US" smtClean="0"/>
-              <a:t>2021/12/28</a:t>
+              <a:t>2021/12/30</a:t>
             </a:fld>
             <a:endParaRPr lang="zh-CN" altLang="en-US"/>
           </a:p>
@@ -2003,7 +2004,7 @@
           <a:p>
             <a:fld id="{4F10BDDF-9621-481F-A0F1-009C5E0FFAEB}" type="datetimeFigureOut">
               <a:rPr lang="zh-CN" altLang="en-US" smtClean="0"/>
-              <a:t>2021/12/28</a:t>
+              <a:t>2021/12/30</a:t>
             </a:fld>
             <a:endParaRPr lang="zh-CN" altLang="en-US"/>
           </a:p>
@@ -2214,7 +2215,7 @@
           <a:p>
             <a:fld id="{4F10BDDF-9621-481F-A0F1-009C5E0FFAEB}" type="datetimeFigureOut">
               <a:rPr lang="zh-CN" altLang="en-US" smtClean="0"/>
-              <a:t>2021/12/28</a:t>
+              <a:t>2021/12/30</a:t>
             </a:fld>
             <a:endParaRPr lang="zh-CN" altLang="en-US" dirty="0"/>
           </a:p>
@@ -2779,6 +2780,11 @@
 <file path=ppt/slides/slide1.xml><?xml version="1.0" encoding="utf-8"?>
 <p:sld xmlns:a="http://schemas.openxmlformats.org/drawingml/2006/main" xmlns:r="http://schemas.openxmlformats.org/officeDocument/2006/relationships" xmlns:p="http://schemas.openxmlformats.org/presentationml/2006/main">
   <p:cSld>
+    <p:bg>
+      <p:bgRef idx="1001">
+        <a:schemeClr val="bg1"/>
+      </p:bgRef>
+    </p:bg>
     <p:spTree>
       <p:nvGrpSpPr>
         <p:cNvPr id="1" name=""/>
@@ -3414,7 +3420,7 @@
     </p:extLst>
   </p:cSld>
   <p:clrMapOvr>
-    <a:masterClrMapping/>
+    <a:overrideClrMapping bg1="lt1" tx1="dk1" bg2="lt2" tx2="dk2" accent1="accent1" accent2="accent2" accent3="accent3" accent4="accent4" accent5="accent5" accent6="accent6" hlink="hlink" folHlink="folHlink"/>
   </p:clrMapOvr>
 </p:sld>
 </file>
@@ -17091,6 +17097,738 @@
     <p:extLst>
       <p:ext uri="{BB962C8B-B14F-4D97-AF65-F5344CB8AC3E}">
         <p14:creationId xmlns:p14="http://schemas.microsoft.com/office/powerpoint/2010/main" val="3091130589"/>
+      </p:ext>
+    </p:extLst>
+  </p:cSld>
+  <p:clrMapOvr>
+    <a:masterClrMapping/>
+  </p:clrMapOvr>
+</p:sld>
+</file>
+
+<file path=ppt/slides/slide9.xml><?xml version="1.0" encoding="utf-8"?>
+<p:sld xmlns:a="http://schemas.openxmlformats.org/drawingml/2006/main" xmlns:r="http://schemas.openxmlformats.org/officeDocument/2006/relationships" xmlns:p="http://schemas.openxmlformats.org/presentationml/2006/main">
+  <p:cSld>
+    <p:spTree>
+      <p:nvGrpSpPr>
+        <p:cNvPr id="1" name=""/>
+        <p:cNvGrpSpPr/>
+        <p:nvPr/>
+      </p:nvGrpSpPr>
+      <p:grpSpPr>
+        <a:xfrm>
+          <a:off x="0" y="0"/>
+          <a:ext cx="0" cy="0"/>
+          <a:chOff x="0" y="0"/>
+          <a:chExt cx="0" cy="0"/>
+        </a:xfrm>
+      </p:grpSpPr>
+      <p:sp>
+        <p:nvSpPr>
+          <p:cNvPr id="23" name="任意多边形: 形状 22">
+            <a:extLst>
+              <a:ext uri="{FF2B5EF4-FFF2-40B4-BE49-F238E27FC236}">
+                <a16:creationId xmlns:a16="http://schemas.microsoft.com/office/drawing/2014/main" id="{E06692A5-5208-47DD-8325-24107839CE73}"/>
+              </a:ext>
+            </a:extLst>
+          </p:cNvPr>
+          <p:cNvSpPr/>
+          <p:nvPr/>
+        </p:nvSpPr>
+        <p:spPr>
+          <a:xfrm>
+            <a:off x="4522310" y="1929468"/>
+            <a:ext cx="4315520" cy="2080470"/>
+          </a:xfrm>
+          <a:custGeom>
+            <a:avLst/>
+            <a:gdLst>
+              <a:gd name="connsiteX0" fmla="*/ 0 w 4328719"/>
+              <a:gd name="connsiteY0" fmla="*/ 0 h 2080470"/>
+              <a:gd name="connsiteX1" fmla="*/ 0 w 4328719"/>
+              <a:gd name="connsiteY1" fmla="*/ 545284 h 2080470"/>
+              <a:gd name="connsiteX2" fmla="*/ 0 w 4328719"/>
+              <a:gd name="connsiteY2" fmla="*/ 788565 h 2080470"/>
+              <a:gd name="connsiteX3" fmla="*/ 880844 w 4328719"/>
+              <a:gd name="connsiteY3" fmla="*/ 788565 h 2080470"/>
+              <a:gd name="connsiteX4" fmla="*/ 880844 w 4328719"/>
+              <a:gd name="connsiteY4" fmla="*/ 1367405 h 2080470"/>
+              <a:gd name="connsiteX5" fmla="*/ 1761688 w 4328719"/>
+              <a:gd name="connsiteY5" fmla="*/ 1367405 h 2080470"/>
+              <a:gd name="connsiteX6" fmla="*/ 1736521 w 4328719"/>
+              <a:gd name="connsiteY6" fmla="*/ 1367405 h 2080470"/>
+              <a:gd name="connsiteX7" fmla="*/ 1736521 w 4328719"/>
+              <a:gd name="connsiteY7" fmla="*/ 1786855 h 2080470"/>
+              <a:gd name="connsiteX8" fmla="*/ 3187817 w 4328719"/>
+              <a:gd name="connsiteY8" fmla="*/ 1786855 h 2080470"/>
+              <a:gd name="connsiteX9" fmla="*/ 3187817 w 4328719"/>
+              <a:gd name="connsiteY9" fmla="*/ 2080470 h 2080470"/>
+              <a:gd name="connsiteX10" fmla="*/ 4328719 w 4328719"/>
+              <a:gd name="connsiteY10" fmla="*/ 2080470 h 2080470"/>
+              <a:gd name="connsiteX11" fmla="*/ 4328719 w 4328719"/>
+              <a:gd name="connsiteY11" fmla="*/ 2080470 h 2080470"/>
+              <a:gd name="connsiteX12" fmla="*/ 4328719 w 4328719"/>
+              <a:gd name="connsiteY12" fmla="*/ 838899 h 2080470"/>
+              <a:gd name="connsiteX13" fmla="*/ 4118995 w 4328719"/>
+              <a:gd name="connsiteY13" fmla="*/ 838899 h 2080470"/>
+              <a:gd name="connsiteX14" fmla="*/ 3179428 w 4328719"/>
+              <a:gd name="connsiteY14" fmla="*/ 838899 h 2080470"/>
+              <a:gd name="connsiteX15" fmla="*/ 3179428 w 4328719"/>
+              <a:gd name="connsiteY15" fmla="*/ 520117 h 2080470"/>
+              <a:gd name="connsiteX16" fmla="*/ 1736521 w 4328719"/>
+              <a:gd name="connsiteY16" fmla="*/ 520117 h 2080470"/>
+              <a:gd name="connsiteX17" fmla="*/ 1736521 w 4328719"/>
+              <a:gd name="connsiteY17" fmla="*/ 176169 h 2080470"/>
+              <a:gd name="connsiteX18" fmla="*/ 855677 w 4328719"/>
+              <a:gd name="connsiteY18" fmla="*/ 176169 h 2080470"/>
+              <a:gd name="connsiteX19" fmla="*/ 855677 w 4328719"/>
+              <a:gd name="connsiteY19" fmla="*/ 16778 h 2080470"/>
+              <a:gd name="connsiteX20" fmla="*/ 0 w 4328719"/>
+              <a:gd name="connsiteY20" fmla="*/ 0 h 2080470"/>
+            </a:gdLst>
+            <a:ahLst/>
+            <a:cxnLst>
+              <a:cxn ang="0">
+                <a:pos x="connsiteX0" y="connsiteY0"/>
+              </a:cxn>
+              <a:cxn ang="0">
+                <a:pos x="connsiteX1" y="connsiteY1"/>
+              </a:cxn>
+              <a:cxn ang="0">
+                <a:pos x="connsiteX2" y="connsiteY2"/>
+              </a:cxn>
+              <a:cxn ang="0">
+                <a:pos x="connsiteX3" y="connsiteY3"/>
+              </a:cxn>
+              <a:cxn ang="0">
+                <a:pos x="connsiteX4" y="connsiteY4"/>
+              </a:cxn>
+              <a:cxn ang="0">
+                <a:pos x="connsiteX5" y="connsiteY5"/>
+              </a:cxn>
+              <a:cxn ang="0">
+                <a:pos x="connsiteX6" y="connsiteY6"/>
+              </a:cxn>
+              <a:cxn ang="0">
+                <a:pos x="connsiteX7" y="connsiteY7"/>
+              </a:cxn>
+              <a:cxn ang="0">
+                <a:pos x="connsiteX8" y="connsiteY8"/>
+              </a:cxn>
+              <a:cxn ang="0">
+                <a:pos x="connsiteX9" y="connsiteY9"/>
+              </a:cxn>
+              <a:cxn ang="0">
+                <a:pos x="connsiteX10" y="connsiteY10"/>
+              </a:cxn>
+              <a:cxn ang="0">
+                <a:pos x="connsiteX11" y="connsiteY11"/>
+              </a:cxn>
+              <a:cxn ang="0">
+                <a:pos x="connsiteX12" y="connsiteY12"/>
+              </a:cxn>
+              <a:cxn ang="0">
+                <a:pos x="connsiteX13" y="connsiteY13"/>
+              </a:cxn>
+              <a:cxn ang="0">
+                <a:pos x="connsiteX14" y="connsiteY14"/>
+              </a:cxn>
+              <a:cxn ang="0">
+                <a:pos x="connsiteX15" y="connsiteY15"/>
+              </a:cxn>
+              <a:cxn ang="0">
+                <a:pos x="connsiteX16" y="connsiteY16"/>
+              </a:cxn>
+              <a:cxn ang="0">
+                <a:pos x="connsiteX17" y="connsiteY17"/>
+              </a:cxn>
+              <a:cxn ang="0">
+                <a:pos x="connsiteX18" y="connsiteY18"/>
+              </a:cxn>
+              <a:cxn ang="0">
+                <a:pos x="connsiteX19" y="connsiteY19"/>
+              </a:cxn>
+              <a:cxn ang="0">
+                <a:pos x="connsiteX20" y="connsiteY20"/>
+              </a:cxn>
+            </a:cxnLst>
+            <a:rect l="l" t="t" r="r" b="b"/>
+            <a:pathLst>
+              <a:path w="4328719" h="2080470">
+                <a:moveTo>
+                  <a:pt x="0" y="0"/>
+                </a:moveTo>
+                <a:lnTo>
+                  <a:pt x="0" y="545284"/>
+                </a:lnTo>
+                <a:lnTo>
+                  <a:pt x="0" y="788565"/>
+                </a:lnTo>
+                <a:lnTo>
+                  <a:pt x="880844" y="788565"/>
+                </a:lnTo>
+                <a:lnTo>
+                  <a:pt x="880844" y="1367405"/>
+                </a:lnTo>
+                <a:lnTo>
+                  <a:pt x="1761688" y="1367405"/>
+                </a:lnTo>
+                <a:lnTo>
+                  <a:pt x="1736521" y="1367405"/>
+                </a:lnTo>
+                <a:lnTo>
+                  <a:pt x="1736521" y="1786855"/>
+                </a:lnTo>
+                <a:lnTo>
+                  <a:pt x="3187817" y="1786855"/>
+                </a:lnTo>
+                <a:lnTo>
+                  <a:pt x="3187817" y="2080470"/>
+                </a:lnTo>
+                <a:lnTo>
+                  <a:pt x="4328719" y="2080470"/>
+                </a:lnTo>
+                <a:lnTo>
+                  <a:pt x="4328719" y="2080470"/>
+                </a:lnTo>
+                <a:lnTo>
+                  <a:pt x="4328719" y="838899"/>
+                </a:lnTo>
+                <a:lnTo>
+                  <a:pt x="4118995" y="838899"/>
+                </a:lnTo>
+                <a:lnTo>
+                  <a:pt x="3179428" y="838899"/>
+                </a:lnTo>
+                <a:lnTo>
+                  <a:pt x="3179428" y="520117"/>
+                </a:lnTo>
+                <a:lnTo>
+                  <a:pt x="1736521" y="520117"/>
+                </a:lnTo>
+                <a:lnTo>
+                  <a:pt x="1736521" y="176169"/>
+                </a:lnTo>
+                <a:lnTo>
+                  <a:pt x="855677" y="176169"/>
+                </a:lnTo>
+                <a:lnTo>
+                  <a:pt x="855677" y="16778"/>
+                </a:lnTo>
+                <a:lnTo>
+                  <a:pt x="0" y="0"/>
+                </a:lnTo>
+                <a:close/>
+              </a:path>
+            </a:pathLst>
+          </a:custGeom>
+          <a:solidFill>
+            <a:srgbClr val="FF1A1A">
+              <a:alpha val="29020"/>
+            </a:srgbClr>
+          </a:solidFill>
+          <a:ln>
+            <a:noFill/>
+          </a:ln>
+        </p:spPr>
+        <p:style>
+          <a:lnRef idx="2">
+            <a:schemeClr val="accent1">
+              <a:shade val="50000"/>
+            </a:schemeClr>
+          </a:lnRef>
+          <a:fillRef idx="1">
+            <a:schemeClr val="accent1"/>
+          </a:fillRef>
+          <a:effectRef idx="0">
+            <a:schemeClr val="accent1"/>
+          </a:effectRef>
+          <a:fontRef idx="minor">
+            <a:schemeClr val="lt1"/>
+          </a:fontRef>
+        </p:style>
+        <p:txBody>
+          <a:bodyPr wrap="square" rtlCol="0" anchor="ctr">
+            <a:noAutofit/>
+          </a:bodyPr>
+          <a:lstStyle/>
+          <a:p>
+            <a:pPr algn="ctr"/>
+            <a:endParaRPr lang="zh-CN" altLang="en-US">
+              <a:solidFill>
+                <a:schemeClr val="tx1"/>
+              </a:solidFill>
+            </a:endParaRPr>
+          </a:p>
+        </p:txBody>
+      </p:sp>
+      <p:sp>
+        <p:nvSpPr>
+          <p:cNvPr id="2" name="标题 1">
+            <a:extLst>
+              <a:ext uri="{FF2B5EF4-FFF2-40B4-BE49-F238E27FC236}">
+                <a16:creationId xmlns:a16="http://schemas.microsoft.com/office/drawing/2014/main" id="{1EB2E9D0-1E6F-47DC-9952-D76678DEA047}"/>
+              </a:ext>
+            </a:extLst>
+          </p:cNvPr>
+          <p:cNvSpPr>
+            <a:spLocks noGrp="1"/>
+          </p:cNvSpPr>
+          <p:nvPr>
+            <p:ph type="title"/>
+          </p:nvPr>
+        </p:nvSpPr>
+        <p:spPr/>
+        <p:txBody>
+          <a:bodyPr/>
+          <a:lstStyle/>
+          <a:p>
+            <a:r>
+              <a:rPr lang="en-US" altLang="zh-CN"/>
+              <a:t>Survival plot</a:t>
+            </a:r>
+            <a:endParaRPr lang="zh-CN" altLang="en-US" dirty="0"/>
+          </a:p>
+        </p:txBody>
+      </p:sp>
+      <p:sp>
+        <p:nvSpPr>
+          <p:cNvPr id="4" name="矩形 3">
+            <a:extLst>
+              <a:ext uri="{FF2B5EF4-FFF2-40B4-BE49-F238E27FC236}">
+                <a16:creationId xmlns:a16="http://schemas.microsoft.com/office/drawing/2014/main" id="{048B7E6A-0233-479E-AEF8-0E4D64A8B6C3}"/>
+              </a:ext>
+            </a:extLst>
+          </p:cNvPr>
+          <p:cNvSpPr/>
+          <p:nvPr/>
+        </p:nvSpPr>
+        <p:spPr>
+          <a:xfrm>
+            <a:off x="3757481" y="1939954"/>
+            <a:ext cx="5343787" cy="2978092"/>
+          </a:xfrm>
+          <a:prstGeom prst="rect">
+            <a:avLst/>
+          </a:prstGeom>
+          <a:noFill/>
+        </p:spPr>
+        <p:style>
+          <a:lnRef idx="2">
+            <a:schemeClr val="accent1">
+              <a:shade val="50000"/>
+            </a:schemeClr>
+          </a:lnRef>
+          <a:fillRef idx="1">
+            <a:schemeClr val="accent1"/>
+          </a:fillRef>
+          <a:effectRef idx="0">
+            <a:schemeClr val="accent1"/>
+          </a:effectRef>
+          <a:fontRef idx="minor">
+            <a:schemeClr val="lt1"/>
+          </a:fontRef>
+        </p:style>
+        <p:txBody>
+          <a:bodyPr rtlCol="0" anchor="ctr"/>
+          <a:lstStyle/>
+          <a:p>
+            <a:pPr algn="ctr"/>
+            <a:endParaRPr lang="zh-CN" altLang="en-US"/>
+          </a:p>
+        </p:txBody>
+      </p:sp>
+      <p:sp>
+        <p:nvSpPr>
+          <p:cNvPr id="5" name="文本框 4">
+            <a:extLst>
+              <a:ext uri="{FF2B5EF4-FFF2-40B4-BE49-F238E27FC236}">
+                <a16:creationId xmlns:a16="http://schemas.microsoft.com/office/drawing/2014/main" id="{2F6A0958-0FFA-4F3C-81D6-2B864298CB07}"/>
+              </a:ext>
+            </a:extLst>
+          </p:cNvPr>
+          <p:cNvSpPr txBox="1"/>
+          <p:nvPr/>
+        </p:nvSpPr>
+        <p:spPr>
+          <a:xfrm>
+            <a:off x="3142693" y="4732781"/>
+            <a:ext cx="434370" cy="369332"/>
+          </a:xfrm>
+          <a:prstGeom prst="rect">
+            <a:avLst/>
+          </a:prstGeom>
+          <a:noFill/>
+        </p:spPr>
+        <p:txBody>
+          <a:bodyPr wrap="square" rtlCol="0">
+            <a:spAutoFit/>
+          </a:bodyPr>
+          <a:lstStyle/>
+          <a:p>
+            <a:pPr algn="ctr"/>
+            <a:r>
+              <a:rPr lang="en-US" altLang="zh-CN" dirty="0"/>
+              <a:t>0</a:t>
+            </a:r>
+          </a:p>
+        </p:txBody>
+      </p:sp>
+      <p:sp>
+        <p:nvSpPr>
+          <p:cNvPr id="6" name="文本框 5">
+            <a:extLst>
+              <a:ext uri="{FF2B5EF4-FFF2-40B4-BE49-F238E27FC236}">
+                <a16:creationId xmlns:a16="http://schemas.microsoft.com/office/drawing/2014/main" id="{359FA0FA-AB0F-42FA-A9F3-8C96FFE12999}"/>
+              </a:ext>
+            </a:extLst>
+          </p:cNvPr>
+          <p:cNvSpPr txBox="1"/>
+          <p:nvPr/>
+        </p:nvSpPr>
+        <p:spPr>
+          <a:xfrm>
+            <a:off x="2962275" y="1755288"/>
+            <a:ext cx="795206" cy="369332"/>
+          </a:xfrm>
+          <a:prstGeom prst="rect">
+            <a:avLst/>
+          </a:prstGeom>
+          <a:noFill/>
+        </p:spPr>
+        <p:txBody>
+          <a:bodyPr wrap="square" rtlCol="0">
+            <a:spAutoFit/>
+          </a:bodyPr>
+          <a:lstStyle/>
+          <a:p>
+            <a:pPr algn="ctr"/>
+            <a:r>
+              <a:rPr lang="en-US" altLang="zh-CN" dirty="0"/>
+              <a:t>100%</a:t>
+            </a:r>
+          </a:p>
+        </p:txBody>
+      </p:sp>
+      <p:sp>
+        <p:nvSpPr>
+          <p:cNvPr id="7" name="文本框 6">
+            <a:extLst>
+              <a:ext uri="{FF2B5EF4-FFF2-40B4-BE49-F238E27FC236}">
+                <a16:creationId xmlns:a16="http://schemas.microsoft.com/office/drawing/2014/main" id="{5C8C0CE7-23B6-464D-BA5B-F03B1E6B149C}"/>
+              </a:ext>
+            </a:extLst>
+          </p:cNvPr>
+          <p:cNvSpPr txBox="1"/>
+          <p:nvPr/>
+        </p:nvSpPr>
+        <p:spPr>
+          <a:xfrm>
+            <a:off x="6025897" y="5019130"/>
+            <a:ext cx="526878" cy="369332"/>
+          </a:xfrm>
+          <a:prstGeom prst="rect">
+            <a:avLst/>
+          </a:prstGeom>
+          <a:noFill/>
+        </p:spPr>
+        <p:txBody>
+          <a:bodyPr wrap="square" rtlCol="0">
+            <a:spAutoFit/>
+          </a:bodyPr>
+          <a:lstStyle/>
+          <a:p>
+            <a:pPr algn="ctr"/>
+            <a:r>
+              <a:rPr lang="en-US" altLang="zh-CN" dirty="0"/>
+              <a:t>1</a:t>
+            </a:r>
+          </a:p>
+        </p:txBody>
+      </p:sp>
+      <p:sp>
+        <p:nvSpPr>
+          <p:cNvPr id="10" name="文本框 9">
+            <a:extLst>
+              <a:ext uri="{FF2B5EF4-FFF2-40B4-BE49-F238E27FC236}">
+                <a16:creationId xmlns:a16="http://schemas.microsoft.com/office/drawing/2014/main" id="{D8814BD8-C731-4F56-83E8-C34083744161}"/>
+              </a:ext>
+            </a:extLst>
+          </p:cNvPr>
+          <p:cNvSpPr txBox="1"/>
+          <p:nvPr/>
+        </p:nvSpPr>
+        <p:spPr>
+          <a:xfrm>
+            <a:off x="3540298" y="5019130"/>
+            <a:ext cx="434370" cy="369332"/>
+          </a:xfrm>
+          <a:prstGeom prst="rect">
+            <a:avLst/>
+          </a:prstGeom>
+          <a:noFill/>
+        </p:spPr>
+        <p:txBody>
+          <a:bodyPr wrap="square" rtlCol="0">
+            <a:spAutoFit/>
+          </a:bodyPr>
+          <a:lstStyle/>
+          <a:p>
+            <a:pPr algn="ctr"/>
+            <a:r>
+              <a:rPr lang="en-US" altLang="zh-CN" dirty="0"/>
+              <a:t>0</a:t>
+            </a:r>
+          </a:p>
+        </p:txBody>
+      </p:sp>
+      <p:sp>
+        <p:nvSpPr>
+          <p:cNvPr id="12" name="文本框 11">
+            <a:extLst>
+              <a:ext uri="{FF2B5EF4-FFF2-40B4-BE49-F238E27FC236}">
+                <a16:creationId xmlns:a16="http://schemas.microsoft.com/office/drawing/2014/main" id="{82F6BD7F-F9B6-4400-AA17-53E09539A4AB}"/>
+              </a:ext>
+            </a:extLst>
+          </p:cNvPr>
+          <p:cNvSpPr txBox="1"/>
+          <p:nvPr/>
+        </p:nvSpPr>
+        <p:spPr>
+          <a:xfrm>
+            <a:off x="5962163" y="5501238"/>
+            <a:ext cx="654346" cy="369332"/>
+          </a:xfrm>
+          <a:prstGeom prst="rect">
+            <a:avLst/>
+          </a:prstGeom>
+          <a:noFill/>
+        </p:spPr>
+        <p:txBody>
+          <a:bodyPr wrap="none" rtlCol="0">
+            <a:spAutoFit/>
+          </a:bodyPr>
+          <a:lstStyle/>
+          <a:p>
+            <a:r>
+              <a:rPr lang="en-US" altLang="zh-CN" dirty="0"/>
+              <a:t>Time</a:t>
+            </a:r>
+          </a:p>
+        </p:txBody>
+      </p:sp>
+      <p:sp>
+        <p:nvSpPr>
+          <p:cNvPr id="13" name="文本框 12">
+            <a:extLst>
+              <a:ext uri="{FF2B5EF4-FFF2-40B4-BE49-F238E27FC236}">
+                <a16:creationId xmlns:a16="http://schemas.microsoft.com/office/drawing/2014/main" id="{58FF38C0-C224-4FC5-9C16-B56F4F4B5070}"/>
+              </a:ext>
+            </a:extLst>
+          </p:cNvPr>
+          <p:cNvSpPr txBox="1"/>
+          <p:nvPr/>
+        </p:nvSpPr>
+        <p:spPr>
+          <a:xfrm rot="16200000">
+            <a:off x="1989846" y="3244034"/>
+            <a:ext cx="1636282" cy="369332"/>
+          </a:xfrm>
+          <a:prstGeom prst="rect">
+            <a:avLst/>
+          </a:prstGeom>
+          <a:noFill/>
+        </p:spPr>
+        <p:txBody>
+          <a:bodyPr wrap="none" rtlCol="0">
+            <a:spAutoFit/>
+          </a:bodyPr>
+          <a:lstStyle/>
+          <a:p>
+            <a:r>
+              <a:rPr lang="en-US" altLang="zh-CN" dirty="0"/>
+              <a:t>Percent Survival</a:t>
+            </a:r>
+          </a:p>
+        </p:txBody>
+      </p:sp>
+      <p:sp>
+        <p:nvSpPr>
+          <p:cNvPr id="17" name="文本框 16">
+            <a:extLst>
+              <a:ext uri="{FF2B5EF4-FFF2-40B4-BE49-F238E27FC236}">
+                <a16:creationId xmlns:a16="http://schemas.microsoft.com/office/drawing/2014/main" id="{F32AC94B-4388-42B2-B4EE-34D8CBF7D6CB}"/>
+              </a:ext>
+            </a:extLst>
+          </p:cNvPr>
+          <p:cNvSpPr txBox="1"/>
+          <p:nvPr/>
+        </p:nvSpPr>
+        <p:spPr>
+          <a:xfrm>
+            <a:off x="8837829" y="5019130"/>
+            <a:ext cx="526878" cy="369332"/>
+          </a:xfrm>
+          <a:prstGeom prst="rect">
+            <a:avLst/>
+          </a:prstGeom>
+          <a:noFill/>
+        </p:spPr>
+        <p:txBody>
+          <a:bodyPr wrap="square" rtlCol="0">
+            <a:spAutoFit/>
+          </a:bodyPr>
+          <a:lstStyle/>
+          <a:p>
+            <a:pPr algn="ctr"/>
+            <a:r>
+              <a:rPr lang="en-US" altLang="zh-CN" dirty="0"/>
+              <a:t>2</a:t>
+            </a:r>
+          </a:p>
+        </p:txBody>
+      </p:sp>
+      <p:sp>
+        <p:nvSpPr>
+          <p:cNvPr id="19" name="任意多边形: 形状 18">
+            <a:extLst>
+              <a:ext uri="{FF2B5EF4-FFF2-40B4-BE49-F238E27FC236}">
+                <a16:creationId xmlns:a16="http://schemas.microsoft.com/office/drawing/2014/main" id="{3C12408B-5F41-4A91-8C89-40CD3E11B8C5}"/>
+              </a:ext>
+            </a:extLst>
+          </p:cNvPr>
+          <p:cNvSpPr/>
+          <p:nvPr/>
+        </p:nvSpPr>
+        <p:spPr>
+          <a:xfrm>
+            <a:off x="3757482" y="1939954"/>
+            <a:ext cx="5080348" cy="1392573"/>
+          </a:xfrm>
+          <a:custGeom>
+            <a:avLst/>
+            <a:gdLst>
+              <a:gd name="connsiteX0" fmla="*/ 0 w 5025005"/>
+              <a:gd name="connsiteY0" fmla="*/ 0 h 1392573"/>
+              <a:gd name="connsiteX1" fmla="*/ 771787 w 5025005"/>
+              <a:gd name="connsiteY1" fmla="*/ 0 h 1392573"/>
+              <a:gd name="connsiteX2" fmla="*/ 771787 w 5025005"/>
+              <a:gd name="connsiteY2" fmla="*/ 276837 h 1392573"/>
+              <a:gd name="connsiteX3" fmla="*/ 1627464 w 5025005"/>
+              <a:gd name="connsiteY3" fmla="*/ 276837 h 1392573"/>
+              <a:gd name="connsiteX4" fmla="*/ 1627464 w 5025005"/>
+              <a:gd name="connsiteY4" fmla="*/ 645953 h 1392573"/>
+              <a:gd name="connsiteX5" fmla="*/ 2483141 w 5025005"/>
+              <a:gd name="connsiteY5" fmla="*/ 645953 h 1392573"/>
+              <a:gd name="connsiteX6" fmla="*/ 2483141 w 5025005"/>
+              <a:gd name="connsiteY6" fmla="*/ 1048624 h 1392573"/>
+              <a:gd name="connsiteX7" fmla="*/ 3909270 w 5025005"/>
+              <a:gd name="connsiteY7" fmla="*/ 1048624 h 1392573"/>
+              <a:gd name="connsiteX8" fmla="*/ 3909270 w 5025005"/>
+              <a:gd name="connsiteY8" fmla="*/ 1392573 h 1392573"/>
+              <a:gd name="connsiteX9" fmla="*/ 5025005 w 5025005"/>
+              <a:gd name="connsiteY9" fmla="*/ 1392573 h 1392573"/>
+            </a:gdLst>
+            <a:ahLst/>
+            <a:cxnLst>
+              <a:cxn ang="0">
+                <a:pos x="connsiteX0" y="connsiteY0"/>
+              </a:cxn>
+              <a:cxn ang="0">
+                <a:pos x="connsiteX1" y="connsiteY1"/>
+              </a:cxn>
+              <a:cxn ang="0">
+                <a:pos x="connsiteX2" y="connsiteY2"/>
+              </a:cxn>
+              <a:cxn ang="0">
+                <a:pos x="connsiteX3" y="connsiteY3"/>
+              </a:cxn>
+              <a:cxn ang="0">
+                <a:pos x="connsiteX4" y="connsiteY4"/>
+              </a:cxn>
+              <a:cxn ang="0">
+                <a:pos x="connsiteX5" y="connsiteY5"/>
+              </a:cxn>
+              <a:cxn ang="0">
+                <a:pos x="connsiteX6" y="connsiteY6"/>
+              </a:cxn>
+              <a:cxn ang="0">
+                <a:pos x="connsiteX7" y="connsiteY7"/>
+              </a:cxn>
+              <a:cxn ang="0">
+                <a:pos x="connsiteX8" y="connsiteY8"/>
+              </a:cxn>
+              <a:cxn ang="0">
+                <a:pos x="connsiteX9" y="connsiteY9"/>
+              </a:cxn>
+            </a:cxnLst>
+            <a:rect l="l" t="t" r="r" b="b"/>
+            <a:pathLst>
+              <a:path w="5025005" h="1392573">
+                <a:moveTo>
+                  <a:pt x="0" y="0"/>
+                </a:moveTo>
+                <a:lnTo>
+                  <a:pt x="771787" y="0"/>
+                </a:lnTo>
+                <a:lnTo>
+                  <a:pt x="771787" y="276837"/>
+                </a:lnTo>
+                <a:lnTo>
+                  <a:pt x="1627464" y="276837"/>
+                </a:lnTo>
+                <a:lnTo>
+                  <a:pt x="1627464" y="645953"/>
+                </a:lnTo>
+                <a:lnTo>
+                  <a:pt x="2483141" y="645953"/>
+                </a:lnTo>
+                <a:lnTo>
+                  <a:pt x="2483141" y="1048624"/>
+                </a:lnTo>
+                <a:lnTo>
+                  <a:pt x="3909270" y="1048624"/>
+                </a:lnTo>
+                <a:lnTo>
+                  <a:pt x="3909270" y="1392573"/>
+                </a:lnTo>
+                <a:lnTo>
+                  <a:pt x="5025005" y="1392573"/>
+                </a:lnTo>
+              </a:path>
+            </a:pathLst>
+          </a:custGeom>
+          <a:noFill/>
+        </p:spPr>
+        <p:style>
+          <a:lnRef idx="2">
+            <a:schemeClr val="accent1">
+              <a:shade val="50000"/>
+            </a:schemeClr>
+          </a:lnRef>
+          <a:fillRef idx="1">
+            <a:schemeClr val="accent1"/>
+          </a:fillRef>
+          <a:effectRef idx="0">
+            <a:schemeClr val="accent1"/>
+          </a:effectRef>
+          <a:fontRef idx="minor">
+            <a:schemeClr val="lt1"/>
+          </a:fontRef>
+        </p:style>
+        <p:txBody>
+          <a:bodyPr rtlCol="0" anchor="ctr"/>
+          <a:lstStyle/>
+          <a:p>
+            <a:pPr algn="ctr"/>
+            <a:endParaRPr lang="zh-CN" altLang="en-US"/>
+          </a:p>
+        </p:txBody>
+      </p:sp>
+    </p:spTree>
+    <p:extLst>
+      <p:ext uri="{BB962C8B-B14F-4D97-AF65-F5344CB8AC3E}">
+        <p14:creationId xmlns:p14="http://schemas.microsoft.com/office/powerpoint/2010/main" val="2808224096"/>
       </p:ext>
     </p:extLst>
   </p:cSld>
@@ -17299,4 +18037,47 @@
     </a:ext>
   </a:extLst>
 </a:theme>
+</file>
+
+<file path=ppt/theme/themeOverride1.xml><?xml version="1.0" encoding="utf-8"?>
+<a:themeOverride xmlns:a="http://schemas.openxmlformats.org/drawingml/2006/main">
+  <a:clrScheme name="自定义 3">
+    <a:dk1>
+      <a:sysClr val="windowText" lastClr="000000"/>
+    </a:dk1>
+    <a:lt1>
+      <a:sysClr val="window" lastClr="FFFFFF"/>
+    </a:lt1>
+    <a:dk2>
+      <a:srgbClr val="800000"/>
+    </a:dk2>
+    <a:lt2>
+      <a:srgbClr val="F2F2F2"/>
+    </a:lt2>
+    <a:accent1>
+      <a:srgbClr val="000000"/>
+    </a:accent1>
+    <a:accent2>
+      <a:srgbClr val="7F7F7F"/>
+    </a:accent2>
+    <a:accent3>
+      <a:srgbClr val="D8D8D8"/>
+    </a:accent3>
+    <a:accent4>
+      <a:srgbClr val="AEABAB"/>
+    </a:accent4>
+    <a:accent5>
+      <a:srgbClr val="BF9000"/>
+    </a:accent5>
+    <a:accent6>
+      <a:srgbClr val="70AD47"/>
+    </a:accent6>
+    <a:hlink>
+      <a:srgbClr val="0563C1"/>
+    </a:hlink>
+    <a:folHlink>
+      <a:srgbClr val="954F72"/>
+    </a:folHlink>
+  </a:clrScheme>
+</a:themeOverride>
 </file>